--- a/out/14_img/action_potential_png.pptx
+++ b/out/14_img/action_potential_png.pptx
@@ -8,6 +8,12 @@
     <p:sldId id="256" r:id="rId2"/>
     <p:sldId id="257" r:id="rId3"/>
     <p:sldId id="258" r:id="rId4"/>
+    <p:sldId id="259" r:id="rId5"/>
+    <p:sldId id="260" r:id="rId6"/>
+    <p:sldId id="261" r:id="rId7"/>
+    <p:sldId id="263" r:id="rId8"/>
+    <p:sldId id="262" r:id="rId9"/>
+    <p:sldId id="264" r:id="rId10"/>
   </p:sldIdLst>
   <p:sldSz cx="12192000" cy="6858000"/>
   <p:notesSz cx="6858000" cy="9144000"/>
@@ -106,6 +112,11 @@
       </a:defRPr>
     </a:lvl9pPr>
   </p:defaultTextStyle>
+  <p:extLst>
+    <p:ext uri="{EFAFB233-063F-42B5-8137-9DF3F51BA10A}">
+      <p15:sldGuideLst xmlns:p15="http://schemas.microsoft.com/office/powerpoint/2012/main"/>
+    </p:ext>
+  </p:extLst>
 </p:presentation>
 </file>
 
@@ -256,7 +267,7 @@
           <a:p>
             <a:fld id="{3F205E74-3AD5-4FDB-9CCD-92856A42F6D6}" type="datetimeFigureOut">
               <a:rPr lang="de-DE" smtClean="0"/>
-              <a:t>24.12.2021</a:t>
+              <a:t>13.01.2022</a:t>
             </a:fld>
             <a:endParaRPr lang="de-DE"/>
           </a:p>
@@ -454,7 +465,7 @@
           <a:p>
             <a:fld id="{3F205E74-3AD5-4FDB-9CCD-92856A42F6D6}" type="datetimeFigureOut">
               <a:rPr lang="de-DE" smtClean="0"/>
-              <a:t>24.12.2021</a:t>
+              <a:t>13.01.2022</a:t>
             </a:fld>
             <a:endParaRPr lang="de-DE"/>
           </a:p>
@@ -662,7 +673,7 @@
           <a:p>
             <a:fld id="{3F205E74-3AD5-4FDB-9CCD-92856A42F6D6}" type="datetimeFigureOut">
               <a:rPr lang="de-DE" smtClean="0"/>
-              <a:t>24.12.2021</a:t>
+              <a:t>13.01.2022</a:t>
             </a:fld>
             <a:endParaRPr lang="de-DE"/>
           </a:p>
@@ -860,7 +871,7 @@
           <a:p>
             <a:fld id="{3F205E74-3AD5-4FDB-9CCD-92856A42F6D6}" type="datetimeFigureOut">
               <a:rPr lang="de-DE" smtClean="0"/>
-              <a:t>24.12.2021</a:t>
+              <a:t>13.01.2022</a:t>
             </a:fld>
             <a:endParaRPr lang="de-DE"/>
           </a:p>
@@ -1135,7 +1146,7 @@
           <a:p>
             <a:fld id="{3F205E74-3AD5-4FDB-9CCD-92856A42F6D6}" type="datetimeFigureOut">
               <a:rPr lang="de-DE" smtClean="0"/>
-              <a:t>24.12.2021</a:t>
+              <a:t>13.01.2022</a:t>
             </a:fld>
             <a:endParaRPr lang="de-DE"/>
           </a:p>
@@ -1400,7 +1411,7 @@
           <a:p>
             <a:fld id="{3F205E74-3AD5-4FDB-9CCD-92856A42F6D6}" type="datetimeFigureOut">
               <a:rPr lang="de-DE" smtClean="0"/>
-              <a:t>24.12.2021</a:t>
+              <a:t>13.01.2022</a:t>
             </a:fld>
             <a:endParaRPr lang="de-DE"/>
           </a:p>
@@ -1812,7 +1823,7 @@
           <a:p>
             <a:fld id="{3F205E74-3AD5-4FDB-9CCD-92856A42F6D6}" type="datetimeFigureOut">
               <a:rPr lang="de-DE" smtClean="0"/>
-              <a:t>24.12.2021</a:t>
+              <a:t>13.01.2022</a:t>
             </a:fld>
             <a:endParaRPr lang="de-DE"/>
           </a:p>
@@ -1953,7 +1964,7 @@
           <a:p>
             <a:fld id="{3F205E74-3AD5-4FDB-9CCD-92856A42F6D6}" type="datetimeFigureOut">
               <a:rPr lang="de-DE" smtClean="0"/>
-              <a:t>24.12.2021</a:t>
+              <a:t>13.01.2022</a:t>
             </a:fld>
             <a:endParaRPr lang="de-DE"/>
           </a:p>
@@ -2066,7 +2077,7 @@
           <a:p>
             <a:fld id="{3F205E74-3AD5-4FDB-9CCD-92856A42F6D6}" type="datetimeFigureOut">
               <a:rPr lang="de-DE" smtClean="0"/>
-              <a:t>24.12.2021</a:t>
+              <a:t>13.01.2022</a:t>
             </a:fld>
             <a:endParaRPr lang="de-DE"/>
           </a:p>
@@ -2377,7 +2388,7 @@
           <a:p>
             <a:fld id="{3F205E74-3AD5-4FDB-9CCD-92856A42F6D6}" type="datetimeFigureOut">
               <a:rPr lang="de-DE" smtClean="0"/>
-              <a:t>24.12.2021</a:t>
+              <a:t>13.01.2022</a:t>
             </a:fld>
             <a:endParaRPr lang="de-DE"/>
           </a:p>
@@ -2665,7 +2676,7 @@
           <a:p>
             <a:fld id="{3F205E74-3AD5-4FDB-9CCD-92856A42F6D6}" type="datetimeFigureOut">
               <a:rPr lang="de-DE" smtClean="0"/>
-              <a:t>24.12.2021</a:t>
+              <a:t>13.01.2022</a:t>
             </a:fld>
             <a:endParaRPr lang="de-DE"/>
           </a:p>
@@ -2906,7 +2917,7 @@
           <a:p>
             <a:fld id="{3F205E74-3AD5-4FDB-9CCD-92856A42F6D6}" type="datetimeFigureOut">
               <a:rPr lang="de-DE" smtClean="0"/>
-              <a:t>24.12.2021</a:t>
+              <a:t>13.01.2022</a:t>
             </a:fld>
             <a:endParaRPr lang="de-DE"/>
           </a:p>
@@ -3393,10 +3404,10 @@
         </p:nvGrpSpPr>
         <p:grpSpPr>
           <a:xfrm>
-            <a:off x="2871146" y="1403974"/>
-            <a:ext cx="5733044" cy="3610768"/>
-            <a:chOff x="2871146" y="1403974"/>
-            <a:chExt cx="5733044" cy="3610768"/>
+            <a:off x="2574574" y="1406320"/>
+            <a:ext cx="6029616" cy="3608422"/>
+            <a:chOff x="2574574" y="1406320"/>
+            <a:chExt cx="6029616" cy="3608422"/>
           </a:xfrm>
         </p:grpSpPr>
         <p:cxnSp>
@@ -4177,7 +4188,7 @@
           </p:nvSpPr>
           <p:spPr>
             <a:xfrm>
-              <a:off x="2908475" y="1403974"/>
+              <a:off x="2574574" y="2235490"/>
               <a:ext cx="703429" cy="338554"/>
             </a:xfrm>
             <a:prstGeom prst="rect">
@@ -4477,7 +4488,7 @@
           </p:nvSpPr>
           <p:spPr>
             <a:xfrm>
-              <a:off x="5685418" y="1420589"/>
+              <a:off x="5674709" y="1406320"/>
               <a:ext cx="282542" cy="338554"/>
             </a:xfrm>
             <a:prstGeom prst="rect">
@@ -4547,7 +4558,7 @@
           </p:nvSpPr>
           <p:spPr>
             <a:xfrm>
-              <a:off x="4732942" y="1803519"/>
+              <a:off x="4732942" y="1798756"/>
               <a:ext cx="112653" cy="3197765"/>
             </a:xfrm>
             <a:prstGeom prst="rect">
@@ -4658,6 +4669,86 @@
           </p:txBody>
         </p:sp>
       </p:grpSp>
+      <p:sp>
+        <p:nvSpPr>
+          <p:cNvPr id="30" name="Textfeld 29">
+            <a:extLst>
+              <a:ext uri="{FF2B5EF4-FFF2-40B4-BE49-F238E27FC236}">
+                <a16:creationId xmlns:a16="http://schemas.microsoft.com/office/drawing/2014/main" id="{20F8BC3B-79BF-4F8D-8E25-CAEBAFEEE362}"/>
+              </a:ext>
+            </a:extLst>
+          </p:cNvPr>
+          <p:cNvSpPr txBox="1"/>
+          <p:nvPr/>
+        </p:nvSpPr>
+        <p:spPr>
+          <a:xfrm>
+            <a:off x="2574574" y="1412753"/>
+            <a:ext cx="703429" cy="338554"/>
+          </a:xfrm>
+          <a:prstGeom prst="rect">
+            <a:avLst/>
+          </a:prstGeom>
+          <a:noFill/>
+        </p:spPr>
+        <p:txBody>
+          <a:bodyPr wrap="square" rtlCol="0">
+            <a:spAutoFit/>
+          </a:bodyPr>
+          <a:lstStyle/>
+          <a:p>
+            <a:r>
+              <a:rPr lang="de-DE" sz="1600" b="1" dirty="0"/>
+              <a:t>Phase</a:t>
+            </a:r>
+          </a:p>
+        </p:txBody>
+      </p:sp>
+      <p:cxnSp>
+        <p:nvCxnSpPr>
+          <p:cNvPr id="37" name="Gerader Verbinder 36">
+            <a:extLst>
+              <a:ext uri="{FF2B5EF4-FFF2-40B4-BE49-F238E27FC236}">
+                <a16:creationId xmlns:a16="http://schemas.microsoft.com/office/drawing/2014/main" id="{AC5F7592-D759-4D2A-84F1-D68C90D86656}"/>
+              </a:ext>
+            </a:extLst>
+          </p:cNvPr>
+          <p:cNvCxnSpPr>
+            <a:cxnSpLocks/>
+          </p:cNvCxnSpPr>
+          <p:nvPr/>
+        </p:nvCxnSpPr>
+        <p:spPr>
+          <a:xfrm>
+            <a:off x="2649196" y="1815848"/>
+            <a:ext cx="5954994" cy="0"/>
+          </a:xfrm>
+          <a:prstGeom prst="line">
+            <a:avLst/>
+          </a:prstGeom>
+          <a:ln w="38100">
+            <a:solidFill>
+              <a:schemeClr val="bg2">
+                <a:lumMod val="50000"/>
+              </a:schemeClr>
+            </a:solidFill>
+          </a:ln>
+        </p:spPr>
+        <p:style>
+          <a:lnRef idx="1">
+            <a:schemeClr val="dk1"/>
+          </a:lnRef>
+          <a:fillRef idx="0">
+            <a:schemeClr val="dk1"/>
+          </a:fillRef>
+          <a:effectRef idx="0">
+            <a:schemeClr val="dk1"/>
+          </a:effectRef>
+          <a:fontRef idx="minor">
+            <a:schemeClr val="tx1"/>
+          </a:fontRef>
+        </p:style>
+      </p:cxnSp>
     </p:spTree>
     <p:extLst>
       <p:ext uri="{BB962C8B-B14F-4D97-AF65-F5344CB8AC3E}">
@@ -7821,7 +7912,7 @@
         </p:blipFill>
         <p:spPr>
           <a:xfrm>
-            <a:off x="3200400" y="571500"/>
+            <a:off x="1422874" y="571500"/>
             <a:ext cx="5791200" cy="5715000"/>
           </a:xfrm>
           <a:prstGeom prst="rect">
@@ -7831,10 +7922,10 @@
       </p:pic>
       <p:sp>
         <p:nvSpPr>
-          <p:cNvPr id="5" name="Rechteck 4">
-            <a:extLst>
-              <a:ext uri="{FF2B5EF4-FFF2-40B4-BE49-F238E27FC236}">
-                <a16:creationId xmlns:a16="http://schemas.microsoft.com/office/drawing/2014/main" id="{844AB9C6-E8F5-4602-8A40-339DFEF15DEF}"/>
+          <p:cNvPr id="3" name="Rechteck 2">
+            <a:extLst>
+              <a:ext uri="{FF2B5EF4-FFF2-40B4-BE49-F238E27FC236}">
+                <a16:creationId xmlns:a16="http://schemas.microsoft.com/office/drawing/2014/main" id="{8B0CCDF8-236B-4881-B6DA-1B60462D3DBE}"/>
               </a:ext>
             </a:extLst>
           </p:cNvPr>
@@ -7843,8 +7934,8 @@
         </p:nvSpPr>
         <p:spPr>
           <a:xfrm>
-            <a:off x="4978400" y="3057235"/>
-            <a:ext cx="738909" cy="1126837"/>
+            <a:off x="6742545" y="4073236"/>
+            <a:ext cx="618837" cy="406400"/>
           </a:xfrm>
           <a:prstGeom prst="rect">
             <a:avLst/>
@@ -7883,10 +7974,10 @@
       </p:sp>
       <p:sp>
         <p:nvSpPr>
-          <p:cNvPr id="7" name="Rechteck 6">
-            <a:extLst>
-              <a:ext uri="{FF2B5EF4-FFF2-40B4-BE49-F238E27FC236}">
-                <a16:creationId xmlns:a16="http://schemas.microsoft.com/office/drawing/2014/main" id="{41FF9A54-B07E-4192-AAC5-DEEB7D655B44}"/>
+          <p:cNvPr id="2" name="Freihandform: Form 1">
+            <a:extLst>
+              <a:ext uri="{FF2B5EF4-FFF2-40B4-BE49-F238E27FC236}">
+                <a16:creationId xmlns:a16="http://schemas.microsoft.com/office/drawing/2014/main" id="{C93580A5-B358-4548-A7F5-D51B27A93F97}"/>
               </a:ext>
             </a:extLst>
           </p:cNvPr>
@@ -7895,17 +7986,66 @@
         </p:nvSpPr>
         <p:spPr>
           <a:xfrm>
-            <a:off x="6285344" y="2918691"/>
-            <a:ext cx="974439" cy="1246910"/>
-          </a:xfrm>
-          <a:prstGeom prst="rect">
+            <a:off x="6730051" y="4009096"/>
+            <a:ext cx="1096883" cy="341228"/>
+          </a:xfrm>
+          <a:custGeom>
             <a:avLst/>
-          </a:prstGeom>
-          <a:solidFill>
-            <a:schemeClr val="bg1"/>
-          </a:solidFill>
-          <a:ln>
-            <a:noFill/>
+            <a:gdLst>
+              <a:gd name="connsiteX0" fmla="*/ 0 w 1324598"/>
+              <a:gd name="connsiteY0" fmla="*/ 495691 h 546965"/>
+              <a:gd name="connsiteX1" fmla="*/ 743484 w 1324598"/>
+              <a:gd name="connsiteY1" fmla="*/ 35 h 546965"/>
+              <a:gd name="connsiteX2" fmla="*/ 1187866 w 1324598"/>
+              <a:gd name="connsiteY2" fmla="*/ 470053 h 546965"/>
+              <a:gd name="connsiteX3" fmla="*/ 1324598 w 1324598"/>
+              <a:gd name="connsiteY3" fmla="*/ 546965 h 546965"/>
+            </a:gdLst>
+            <a:ahLst/>
+            <a:cxnLst>
+              <a:cxn ang="0">
+                <a:pos x="connsiteX0" y="connsiteY0"/>
+              </a:cxn>
+              <a:cxn ang="0">
+                <a:pos x="connsiteX1" y="connsiteY1"/>
+              </a:cxn>
+              <a:cxn ang="0">
+                <a:pos x="connsiteX2" y="connsiteY2"/>
+              </a:cxn>
+              <a:cxn ang="0">
+                <a:pos x="connsiteX3" y="connsiteY3"/>
+              </a:cxn>
+            </a:cxnLst>
+            <a:rect l="l" t="t" r="r" b="b"/>
+            <a:pathLst>
+              <a:path w="1324598" h="546965">
+                <a:moveTo>
+                  <a:pt x="0" y="495691"/>
+                </a:moveTo>
+                <a:cubicBezTo>
+                  <a:pt x="272753" y="249999"/>
+                  <a:pt x="545506" y="4308"/>
+                  <a:pt x="743484" y="35"/>
+                </a:cubicBezTo>
+                <a:cubicBezTo>
+                  <a:pt x="941462" y="-4238"/>
+                  <a:pt x="1091014" y="378898"/>
+                  <a:pt x="1187866" y="470053"/>
+                </a:cubicBezTo>
+                <a:cubicBezTo>
+                  <a:pt x="1284718" y="561208"/>
+                  <a:pt x="1223473" y="514206"/>
+                  <a:pt x="1324598" y="546965"/>
+                </a:cubicBezTo>
+              </a:path>
+            </a:pathLst>
+          </a:custGeom>
+          <a:noFill/>
+          <a:ln w="85725" cap="rnd">
+            <a:solidFill>
+              <a:schemeClr val="tx1"/>
+            </a:solidFill>
+            <a:round/>
           </a:ln>
         </p:spPr>
         <p:style>
@@ -7933,12 +8073,54 @@
           </a:p>
         </p:txBody>
       </p:sp>
-      <p:sp>
-        <p:nvSpPr>
-          <p:cNvPr id="8" name="Rechteck 7">
-            <a:extLst>
-              <a:ext uri="{FF2B5EF4-FFF2-40B4-BE49-F238E27FC236}">
-                <a16:creationId xmlns:a16="http://schemas.microsoft.com/office/drawing/2014/main" id="{EFC2B891-FD71-47B0-8D4A-AD24371C170F}"/>
+      <p:cxnSp>
+        <p:nvCxnSpPr>
+          <p:cNvPr id="11" name="Gerader Verbinder 10">
+            <a:extLst>
+              <a:ext uri="{FF2B5EF4-FFF2-40B4-BE49-F238E27FC236}">
+                <a16:creationId xmlns:a16="http://schemas.microsoft.com/office/drawing/2014/main" id="{69FBF70D-E552-4577-9623-03D432342928}"/>
+              </a:ext>
+            </a:extLst>
+          </p:cNvPr>
+          <p:cNvCxnSpPr/>
+          <p:nvPr/>
+        </p:nvCxnSpPr>
+        <p:spPr>
+          <a:xfrm>
+            <a:off x="7762277" y="4322616"/>
+            <a:ext cx="692727" cy="0"/>
+          </a:xfrm>
+          <a:prstGeom prst="line">
+            <a:avLst/>
+          </a:prstGeom>
+          <a:ln w="85725" cap="rnd">
+            <a:solidFill>
+              <a:srgbClr val="000000"/>
+            </a:solidFill>
+            <a:round/>
+          </a:ln>
+        </p:spPr>
+        <p:style>
+          <a:lnRef idx="1">
+            <a:schemeClr val="accent1"/>
+          </a:lnRef>
+          <a:fillRef idx="0">
+            <a:schemeClr val="accent1"/>
+          </a:fillRef>
+          <a:effectRef idx="0">
+            <a:schemeClr val="accent1"/>
+          </a:effectRef>
+          <a:fontRef idx="minor">
+            <a:schemeClr val="tx1"/>
+          </a:fontRef>
+        </p:style>
+      </p:cxnSp>
+      <p:sp>
+        <p:nvSpPr>
+          <p:cNvPr id="12" name="Rechteck 11">
+            <a:extLst>
+              <a:ext uri="{FF2B5EF4-FFF2-40B4-BE49-F238E27FC236}">
+                <a16:creationId xmlns:a16="http://schemas.microsoft.com/office/drawing/2014/main" id="{E09D37C1-C7E9-4BA9-BCF2-841B7CD1278E}"/>
               </a:ext>
             </a:extLst>
           </p:cNvPr>
@@ -7947,8 +8129,8 @@
         </p:nvSpPr>
         <p:spPr>
           <a:xfrm>
-            <a:off x="3870035" y="4498109"/>
-            <a:ext cx="1773383" cy="1788391"/>
+            <a:off x="7716333" y="4368281"/>
+            <a:ext cx="618837" cy="406400"/>
           </a:xfrm>
           <a:prstGeom prst="rect">
             <a:avLst/>
@@ -7987,29 +8169,229 @@
       </p:sp>
       <p:sp>
         <p:nvSpPr>
-          <p:cNvPr id="9" name="Rechteck 8">
-            <a:extLst>
-              <a:ext uri="{FF2B5EF4-FFF2-40B4-BE49-F238E27FC236}">
-                <a16:creationId xmlns:a16="http://schemas.microsoft.com/office/drawing/2014/main" id="{5901824C-F8AF-40A1-A611-A404C4798F7F}"/>
-              </a:ext>
-            </a:extLst>
-          </p:cNvPr>
-          <p:cNvSpPr/>
+          <p:cNvPr id="13" name="Textfeld 12">
+            <a:extLst>
+              <a:ext uri="{FF2B5EF4-FFF2-40B4-BE49-F238E27FC236}">
+                <a16:creationId xmlns:a16="http://schemas.microsoft.com/office/drawing/2014/main" id="{F08958B5-042A-4674-87BC-B9665113B56F}"/>
+              </a:ext>
+            </a:extLst>
+          </p:cNvPr>
+          <p:cNvSpPr txBox="1"/>
           <p:nvPr/>
         </p:nvSpPr>
         <p:spPr>
           <a:xfrm>
-            <a:off x="6548585" y="4391891"/>
-            <a:ext cx="2646216" cy="1995054"/>
+            <a:off x="7278492" y="3574017"/>
+            <a:ext cx="585860" cy="400110"/>
           </a:xfrm>
           <a:prstGeom prst="rect">
             <a:avLst/>
           </a:prstGeom>
-          <a:solidFill>
-            <a:schemeClr val="bg1"/>
-          </a:solidFill>
-          <a:ln>
-            <a:noFill/>
+          <a:noFill/>
+        </p:spPr>
+        <p:txBody>
+          <a:bodyPr wrap="square" rtlCol="0">
+            <a:spAutoFit/>
+          </a:bodyPr>
+          <a:lstStyle/>
+          <a:p>
+            <a:r>
+              <a:rPr lang="de-DE" sz="2000" b="1" dirty="0"/>
+              <a:t>U</a:t>
+            </a:r>
+          </a:p>
+        </p:txBody>
+      </p:sp>
+    </p:spTree>
+    <p:extLst>
+      <p:ext uri="{BB962C8B-B14F-4D97-AF65-F5344CB8AC3E}">
+        <p14:creationId xmlns:p14="http://schemas.microsoft.com/office/powerpoint/2010/main" val="3238797921"/>
+      </p:ext>
+    </p:extLst>
+  </p:cSld>
+  <p:clrMapOvr>
+    <a:masterClrMapping/>
+  </p:clrMapOvr>
+</p:sld>
+</file>
+
+<file path=ppt/slides/slide4.xml><?xml version="1.0" encoding="utf-8"?>
+<p:sld xmlns:a="http://schemas.openxmlformats.org/drawingml/2006/main" xmlns:r="http://schemas.openxmlformats.org/officeDocument/2006/relationships" xmlns:p="http://schemas.openxmlformats.org/presentationml/2006/main">
+  <p:cSld>
+    <p:spTree>
+      <p:nvGrpSpPr>
+        <p:cNvPr id="1" name=""/>
+        <p:cNvGrpSpPr/>
+        <p:nvPr/>
+      </p:nvGrpSpPr>
+      <p:grpSpPr>
+        <a:xfrm>
+          <a:off x="0" y="0"/>
+          <a:ext cx="0" cy="0"/>
+          <a:chOff x="0" y="0"/>
+          <a:chExt cx="0" cy="0"/>
+        </a:xfrm>
+      </p:grpSpPr>
+      <p:pic>
+        <p:nvPicPr>
+          <p:cNvPr id="1026" name="Picture 2">
+            <a:extLst>
+              <a:ext uri="{FF2B5EF4-FFF2-40B4-BE49-F238E27FC236}">
+                <a16:creationId xmlns:a16="http://schemas.microsoft.com/office/drawing/2014/main" id="{A0AEBA46-9539-4328-AE21-80C25188FE98}"/>
+              </a:ext>
+            </a:extLst>
+          </p:cNvPr>
+          <p:cNvPicPr>
+            <a:picLocks noChangeAspect="1" noChangeArrowheads="1"/>
+          </p:cNvPicPr>
+          <p:nvPr/>
+        </p:nvPicPr>
+        <p:blipFill rotWithShape="1">
+          <a:blip r:embed="rId2">
+            <a:extLst>
+              <a:ext uri="{28A0092B-C50C-407E-A947-70E740481C1C}">
+                <a14:useLocalDpi xmlns:a14="http://schemas.microsoft.com/office/drawing/2010/main" val="0"/>
+              </a:ext>
+            </a:extLst>
+          </a:blip>
+          <a:srcRect t="4309" b="8687"/>
+          <a:stretch/>
+        </p:blipFill>
+        <p:spPr bwMode="auto">
+          <a:xfrm>
+            <a:off x="3767931" y="288420"/>
+            <a:ext cx="4656137" cy="5966691"/>
+          </a:xfrm>
+          <a:prstGeom prst="rect">
+            <a:avLst/>
+          </a:prstGeom>
+          <a:noFill/>
+          <a:extLst>
+            <a:ext uri="{909E8E84-426E-40DD-AFC4-6F175D3DCCD1}">
+              <a14:hiddenFill xmlns:a14="http://schemas.microsoft.com/office/drawing/2010/main">
+                <a:solidFill>
+                  <a:srgbClr val="FFFFFF"/>
+                </a:solidFill>
+              </a14:hiddenFill>
+            </a:ext>
+          </a:extLst>
+        </p:spPr>
+      </p:pic>
+      <p:pic>
+        <p:nvPicPr>
+          <p:cNvPr id="7" name="Grafik 6">
+            <a:extLst>
+              <a:ext uri="{FF2B5EF4-FFF2-40B4-BE49-F238E27FC236}">
+                <a16:creationId xmlns:a16="http://schemas.microsoft.com/office/drawing/2014/main" id="{12FA2F5B-C3E6-41BD-98B4-06A3D058F308}"/>
+              </a:ext>
+            </a:extLst>
+          </p:cNvPr>
+          <p:cNvPicPr>
+            <a:picLocks noChangeAspect="1"/>
+          </p:cNvPicPr>
+          <p:nvPr/>
+        </p:nvPicPr>
+        <p:blipFill>
+          <a:blip r:embed="rId3"/>
+          <a:stretch>
+            <a:fillRect/>
+          </a:stretch>
+        </p:blipFill>
+        <p:spPr>
+          <a:xfrm>
+            <a:off x="5286341" y="1708132"/>
+            <a:ext cx="887035" cy="813395"/>
+          </a:xfrm>
+          <a:prstGeom prst="rect">
+            <a:avLst/>
+          </a:prstGeom>
+        </p:spPr>
+      </p:pic>
+      <p:pic>
+        <p:nvPicPr>
+          <p:cNvPr id="9" name="Grafik 8">
+            <a:extLst>
+              <a:ext uri="{FF2B5EF4-FFF2-40B4-BE49-F238E27FC236}">
+                <a16:creationId xmlns:a16="http://schemas.microsoft.com/office/drawing/2014/main" id="{446249A9-4039-4E45-9793-B382CA2D0BA5}"/>
+              </a:ext>
+            </a:extLst>
+          </p:cNvPr>
+          <p:cNvPicPr>
+            <a:picLocks noChangeAspect="1"/>
+          </p:cNvPicPr>
+          <p:nvPr/>
+        </p:nvPicPr>
+        <p:blipFill>
+          <a:blip r:embed="rId4"/>
+          <a:stretch>
+            <a:fillRect/>
+          </a:stretch>
+        </p:blipFill>
+        <p:spPr>
+          <a:xfrm>
+            <a:off x="7380683" y="1708132"/>
+            <a:ext cx="887340" cy="813395"/>
+          </a:xfrm>
+          <a:prstGeom prst="rect">
+            <a:avLst/>
+          </a:prstGeom>
+        </p:spPr>
+      </p:pic>
+      <p:pic>
+        <p:nvPicPr>
+          <p:cNvPr id="11" name="Grafik 10">
+            <a:extLst>
+              <a:ext uri="{FF2B5EF4-FFF2-40B4-BE49-F238E27FC236}">
+                <a16:creationId xmlns:a16="http://schemas.microsoft.com/office/drawing/2014/main" id="{63BD5077-FDDC-4998-9CAC-83D441E6F568}"/>
+              </a:ext>
+            </a:extLst>
+          </p:cNvPr>
+          <p:cNvPicPr>
+            <a:picLocks noChangeAspect="1"/>
+          </p:cNvPicPr>
+          <p:nvPr/>
+        </p:nvPicPr>
+        <p:blipFill>
+          <a:blip r:embed="rId5"/>
+          <a:stretch>
+            <a:fillRect/>
+          </a:stretch>
+        </p:blipFill>
+        <p:spPr>
+          <a:xfrm>
+            <a:off x="5286341" y="4977882"/>
+            <a:ext cx="887035" cy="822708"/>
+          </a:xfrm>
+          <a:prstGeom prst="rect">
+            <a:avLst/>
+          </a:prstGeom>
+        </p:spPr>
+      </p:pic>
+      <p:sp>
+        <p:nvSpPr>
+          <p:cNvPr id="12" name="Rechteck 11">
+            <a:extLst>
+              <a:ext uri="{FF2B5EF4-FFF2-40B4-BE49-F238E27FC236}">
+                <a16:creationId xmlns:a16="http://schemas.microsoft.com/office/drawing/2014/main" id="{01719AF6-747F-43C8-9AC9-D8BA8B8882E1}"/>
+              </a:ext>
+            </a:extLst>
+          </p:cNvPr>
+          <p:cNvSpPr/>
+          <p:nvPr/>
+        </p:nvSpPr>
+        <p:spPr>
+          <a:xfrm>
+            <a:off x="4476875" y="1427494"/>
+            <a:ext cx="436957" cy="436957"/>
+          </a:xfrm>
+          <a:prstGeom prst="rect">
+            <a:avLst/>
+          </a:prstGeom>
+          <a:noFill/>
+          <a:ln w="19050">
+            <a:solidFill>
+              <a:schemeClr val="tx1"/>
+            </a:solidFill>
           </a:ln>
         </p:spPr>
         <p:style>
@@ -8039,10 +8421,10 @@
       </p:sp>
       <p:sp>
         <p:nvSpPr>
-          <p:cNvPr id="10" name="Rechteck 9">
-            <a:extLst>
-              <a:ext uri="{FF2B5EF4-FFF2-40B4-BE49-F238E27FC236}">
-                <a16:creationId xmlns:a16="http://schemas.microsoft.com/office/drawing/2014/main" id="{F20C1367-134B-4A39-B007-407D185C3597}"/>
+          <p:cNvPr id="14" name="Rechteck 13">
+            <a:extLst>
+              <a:ext uri="{FF2B5EF4-FFF2-40B4-BE49-F238E27FC236}">
+                <a16:creationId xmlns:a16="http://schemas.microsoft.com/office/drawing/2014/main" id="{BDA4BC21-244D-4CB7-A58F-9E25E0C7219E}"/>
               </a:ext>
             </a:extLst>
           </p:cNvPr>
@@ -8051,17 +8433,17 @@
         </p:nvSpPr>
         <p:spPr>
           <a:xfrm>
-            <a:off x="5474860" y="5603009"/>
-            <a:ext cx="2646216" cy="783936"/>
+            <a:off x="6558551" y="1427494"/>
+            <a:ext cx="436957" cy="436957"/>
           </a:xfrm>
           <a:prstGeom prst="rect">
             <a:avLst/>
           </a:prstGeom>
-          <a:solidFill>
-            <a:schemeClr val="bg1"/>
-          </a:solidFill>
-          <a:ln>
-            <a:noFill/>
+          <a:noFill/>
+          <a:ln w="19050">
+            <a:solidFill>
+              <a:schemeClr val="tx1"/>
+            </a:solidFill>
           </a:ln>
         </p:spPr>
         <p:style>
@@ -8089,10 +8471,2561 @@
           </a:p>
         </p:txBody>
       </p:sp>
+      <p:sp>
+        <p:nvSpPr>
+          <p:cNvPr id="15" name="Rechteck 14">
+            <a:extLst>
+              <a:ext uri="{FF2B5EF4-FFF2-40B4-BE49-F238E27FC236}">
+                <a16:creationId xmlns:a16="http://schemas.microsoft.com/office/drawing/2014/main" id="{BC93D35D-72A4-4946-912B-AC4798FF7D4B}"/>
+              </a:ext>
+            </a:extLst>
+          </p:cNvPr>
+          <p:cNvSpPr/>
+          <p:nvPr/>
+        </p:nvSpPr>
+        <p:spPr>
+          <a:xfrm>
+            <a:off x="4476875" y="5170757"/>
+            <a:ext cx="436957" cy="436957"/>
+          </a:xfrm>
+          <a:prstGeom prst="rect">
+            <a:avLst/>
+          </a:prstGeom>
+          <a:noFill/>
+          <a:ln w="19050">
+            <a:solidFill>
+              <a:schemeClr val="tx1"/>
+            </a:solidFill>
+          </a:ln>
+        </p:spPr>
+        <p:style>
+          <a:lnRef idx="2">
+            <a:schemeClr val="accent1">
+              <a:shade val="50000"/>
+            </a:schemeClr>
+          </a:lnRef>
+          <a:fillRef idx="1">
+            <a:schemeClr val="accent1"/>
+          </a:fillRef>
+          <a:effectRef idx="0">
+            <a:schemeClr val="accent1"/>
+          </a:effectRef>
+          <a:fontRef idx="minor">
+            <a:schemeClr val="lt1"/>
+          </a:fontRef>
+        </p:style>
+        <p:txBody>
+          <a:bodyPr rtlCol="0" anchor="ctr"/>
+          <a:lstStyle/>
+          <a:p>
+            <a:pPr algn="ctr"/>
+            <a:endParaRPr lang="de-DE"/>
+          </a:p>
+        </p:txBody>
+      </p:sp>
+      <p:cxnSp>
+        <p:nvCxnSpPr>
+          <p:cNvPr id="16" name="Gerader Verbinder 15">
+            <a:extLst>
+              <a:ext uri="{FF2B5EF4-FFF2-40B4-BE49-F238E27FC236}">
+                <a16:creationId xmlns:a16="http://schemas.microsoft.com/office/drawing/2014/main" id="{9BF6C850-75C8-441E-8FDE-39B1630B3C07}"/>
+              </a:ext>
+            </a:extLst>
+          </p:cNvPr>
+          <p:cNvCxnSpPr>
+            <a:cxnSpLocks/>
+          </p:cNvCxnSpPr>
+          <p:nvPr/>
+        </p:nvCxnSpPr>
+        <p:spPr>
+          <a:xfrm>
+            <a:off x="4913832" y="1427494"/>
+            <a:ext cx="1233426" cy="280638"/>
+          </a:xfrm>
+          <a:prstGeom prst="line">
+            <a:avLst/>
+          </a:prstGeom>
+        </p:spPr>
+        <p:style>
+          <a:lnRef idx="1">
+            <a:schemeClr val="dk1"/>
+          </a:lnRef>
+          <a:fillRef idx="0">
+            <a:schemeClr val="dk1"/>
+          </a:fillRef>
+          <a:effectRef idx="0">
+            <a:schemeClr val="dk1"/>
+          </a:effectRef>
+          <a:fontRef idx="minor">
+            <a:schemeClr val="tx1"/>
+          </a:fontRef>
+        </p:style>
+      </p:cxnSp>
+      <p:cxnSp>
+        <p:nvCxnSpPr>
+          <p:cNvPr id="18" name="Gerader Verbinder 17">
+            <a:extLst>
+              <a:ext uri="{FF2B5EF4-FFF2-40B4-BE49-F238E27FC236}">
+                <a16:creationId xmlns:a16="http://schemas.microsoft.com/office/drawing/2014/main" id="{4ACCD014-24C0-4C4C-941B-718ABC1DD228}"/>
+              </a:ext>
+            </a:extLst>
+          </p:cNvPr>
+          <p:cNvCxnSpPr>
+            <a:cxnSpLocks/>
+          </p:cNvCxnSpPr>
+          <p:nvPr/>
+        </p:nvCxnSpPr>
+        <p:spPr>
+          <a:xfrm>
+            <a:off x="4476875" y="1864451"/>
+            <a:ext cx="809466" cy="638243"/>
+          </a:xfrm>
+          <a:prstGeom prst="line">
+            <a:avLst/>
+          </a:prstGeom>
+        </p:spPr>
+        <p:style>
+          <a:lnRef idx="1">
+            <a:schemeClr val="dk1"/>
+          </a:lnRef>
+          <a:fillRef idx="0">
+            <a:schemeClr val="dk1"/>
+          </a:fillRef>
+          <a:effectRef idx="0">
+            <a:schemeClr val="dk1"/>
+          </a:effectRef>
+          <a:fontRef idx="minor">
+            <a:schemeClr val="tx1"/>
+          </a:fontRef>
+        </p:style>
+      </p:cxnSp>
+      <p:cxnSp>
+        <p:nvCxnSpPr>
+          <p:cNvPr id="23" name="Gerader Verbinder 22">
+            <a:extLst>
+              <a:ext uri="{FF2B5EF4-FFF2-40B4-BE49-F238E27FC236}">
+                <a16:creationId xmlns:a16="http://schemas.microsoft.com/office/drawing/2014/main" id="{9850A8D5-E16E-4ECA-AFAC-3771B30E743F}"/>
+              </a:ext>
+            </a:extLst>
+          </p:cNvPr>
+          <p:cNvCxnSpPr>
+            <a:cxnSpLocks/>
+          </p:cNvCxnSpPr>
+          <p:nvPr/>
+        </p:nvCxnSpPr>
+        <p:spPr>
+          <a:xfrm>
+            <a:off x="6995508" y="1427494"/>
+            <a:ext cx="1243617" cy="280638"/>
+          </a:xfrm>
+          <a:prstGeom prst="line">
+            <a:avLst/>
+          </a:prstGeom>
+        </p:spPr>
+        <p:style>
+          <a:lnRef idx="1">
+            <a:schemeClr val="dk1"/>
+          </a:lnRef>
+          <a:fillRef idx="0">
+            <a:schemeClr val="dk1"/>
+          </a:fillRef>
+          <a:effectRef idx="0">
+            <a:schemeClr val="dk1"/>
+          </a:effectRef>
+          <a:fontRef idx="minor">
+            <a:schemeClr val="tx1"/>
+          </a:fontRef>
+        </p:style>
+      </p:cxnSp>
+      <p:cxnSp>
+        <p:nvCxnSpPr>
+          <p:cNvPr id="27" name="Gerader Verbinder 26">
+            <a:extLst>
+              <a:ext uri="{FF2B5EF4-FFF2-40B4-BE49-F238E27FC236}">
+                <a16:creationId xmlns:a16="http://schemas.microsoft.com/office/drawing/2014/main" id="{521DEE17-4F58-4FD8-B4E6-03C3005F8277}"/>
+              </a:ext>
+            </a:extLst>
+          </p:cNvPr>
+          <p:cNvCxnSpPr/>
+          <p:nvPr/>
+        </p:nvCxnSpPr>
+        <p:spPr>
+          <a:xfrm>
+            <a:off x="6558551" y="1864451"/>
+            <a:ext cx="822132" cy="638243"/>
+          </a:xfrm>
+          <a:prstGeom prst="line">
+            <a:avLst/>
+          </a:prstGeom>
+        </p:spPr>
+        <p:style>
+          <a:lnRef idx="1">
+            <a:schemeClr val="dk1"/>
+          </a:lnRef>
+          <a:fillRef idx="0">
+            <a:schemeClr val="dk1"/>
+          </a:fillRef>
+          <a:effectRef idx="0">
+            <a:schemeClr val="dk1"/>
+          </a:effectRef>
+          <a:fontRef idx="minor">
+            <a:schemeClr val="tx1"/>
+          </a:fontRef>
+        </p:style>
+      </p:cxnSp>
+      <p:cxnSp>
+        <p:nvCxnSpPr>
+          <p:cNvPr id="29" name="Gerader Verbinder 28">
+            <a:extLst>
+              <a:ext uri="{FF2B5EF4-FFF2-40B4-BE49-F238E27FC236}">
+                <a16:creationId xmlns:a16="http://schemas.microsoft.com/office/drawing/2014/main" id="{46D7CFCD-339C-4D02-876E-F260437E9A65}"/>
+              </a:ext>
+            </a:extLst>
+          </p:cNvPr>
+          <p:cNvCxnSpPr>
+            <a:cxnSpLocks/>
+          </p:cNvCxnSpPr>
+          <p:nvPr/>
+        </p:nvCxnSpPr>
+        <p:spPr>
+          <a:xfrm flipV="1">
+            <a:off x="4476875" y="4977882"/>
+            <a:ext cx="833313" cy="192876"/>
+          </a:xfrm>
+          <a:prstGeom prst="line">
+            <a:avLst/>
+          </a:prstGeom>
+        </p:spPr>
+        <p:style>
+          <a:lnRef idx="1">
+            <a:schemeClr val="dk1"/>
+          </a:lnRef>
+          <a:fillRef idx="0">
+            <a:schemeClr val="dk1"/>
+          </a:fillRef>
+          <a:effectRef idx="0">
+            <a:schemeClr val="dk1"/>
+          </a:effectRef>
+          <a:fontRef idx="minor">
+            <a:schemeClr val="tx1"/>
+          </a:fontRef>
+        </p:style>
+      </p:cxnSp>
+      <p:cxnSp>
+        <p:nvCxnSpPr>
+          <p:cNvPr id="32" name="Gerader Verbinder 31">
+            <a:extLst>
+              <a:ext uri="{FF2B5EF4-FFF2-40B4-BE49-F238E27FC236}">
+                <a16:creationId xmlns:a16="http://schemas.microsoft.com/office/drawing/2014/main" id="{C654C274-98FC-4DED-B210-3C28B8B39714}"/>
+              </a:ext>
+            </a:extLst>
+          </p:cNvPr>
+          <p:cNvCxnSpPr/>
+          <p:nvPr/>
+        </p:nvCxnSpPr>
+        <p:spPr>
+          <a:xfrm>
+            <a:off x="4476875" y="5607714"/>
+            <a:ext cx="809466" cy="169199"/>
+          </a:xfrm>
+          <a:prstGeom prst="line">
+            <a:avLst/>
+          </a:prstGeom>
+        </p:spPr>
+        <p:style>
+          <a:lnRef idx="1">
+            <a:schemeClr val="dk1"/>
+          </a:lnRef>
+          <a:fillRef idx="0">
+            <a:schemeClr val="dk1"/>
+          </a:fillRef>
+          <a:effectRef idx="0">
+            <a:schemeClr val="dk1"/>
+          </a:effectRef>
+          <a:fontRef idx="minor">
+            <a:schemeClr val="tx1"/>
+          </a:fontRef>
+        </p:style>
+      </p:cxnSp>
     </p:spTree>
     <p:extLst>
       <p:ext uri="{BB962C8B-B14F-4D97-AF65-F5344CB8AC3E}">
-        <p14:creationId xmlns:p14="http://schemas.microsoft.com/office/powerpoint/2010/main" val="3238797921"/>
+        <p14:creationId xmlns:p14="http://schemas.microsoft.com/office/powerpoint/2010/main" val="447638208"/>
+      </p:ext>
+    </p:extLst>
+  </p:cSld>
+  <p:clrMapOvr>
+    <a:masterClrMapping/>
+  </p:clrMapOvr>
+</p:sld>
+</file>
+
+<file path=ppt/slides/slide5.xml><?xml version="1.0" encoding="utf-8"?>
+<p:sld xmlns:a="http://schemas.openxmlformats.org/drawingml/2006/main" xmlns:r="http://schemas.openxmlformats.org/officeDocument/2006/relationships" xmlns:p="http://schemas.openxmlformats.org/presentationml/2006/main">
+  <p:cSld>
+    <p:spTree>
+      <p:nvGrpSpPr>
+        <p:cNvPr id="1" name=""/>
+        <p:cNvGrpSpPr/>
+        <p:nvPr/>
+      </p:nvGrpSpPr>
+      <p:grpSpPr>
+        <a:xfrm>
+          <a:off x="0" y="0"/>
+          <a:ext cx="0" cy="0"/>
+          <a:chOff x="0" y="0"/>
+          <a:chExt cx="0" cy="0"/>
+        </a:xfrm>
+      </p:grpSpPr>
+      <p:pic>
+        <p:nvPicPr>
+          <p:cNvPr id="2050" name="Picture 2">
+            <a:extLst>
+              <a:ext uri="{FF2B5EF4-FFF2-40B4-BE49-F238E27FC236}">
+                <a16:creationId xmlns:a16="http://schemas.microsoft.com/office/drawing/2014/main" id="{F736D8E6-A51B-47C9-B933-41C83E8C7FDF}"/>
+              </a:ext>
+            </a:extLst>
+          </p:cNvPr>
+          <p:cNvPicPr>
+            <a:picLocks noChangeAspect="1" noChangeArrowheads="1"/>
+          </p:cNvPicPr>
+          <p:nvPr/>
+        </p:nvPicPr>
+        <p:blipFill>
+          <a:blip r:embed="rId2">
+            <a:extLst>
+              <a:ext uri="{28A0092B-C50C-407E-A947-70E740481C1C}">
+                <a14:useLocalDpi xmlns:a14="http://schemas.microsoft.com/office/drawing/2010/main" val="0"/>
+              </a:ext>
+            </a:extLst>
+          </a:blip>
+          <a:srcRect/>
+          <a:stretch>
+            <a:fillRect/>
+          </a:stretch>
+        </p:blipFill>
+        <p:spPr bwMode="auto">
+          <a:xfrm>
+            <a:off x="3349625" y="0"/>
+            <a:ext cx="5491163" cy="6858000"/>
+          </a:xfrm>
+          <a:prstGeom prst="rect">
+            <a:avLst/>
+          </a:prstGeom>
+          <a:noFill/>
+          <a:extLst>
+            <a:ext uri="{909E8E84-426E-40DD-AFC4-6F175D3DCCD1}">
+              <a14:hiddenFill xmlns:a14="http://schemas.microsoft.com/office/drawing/2010/main">
+                <a:solidFill>
+                  <a:srgbClr val="FFFFFF"/>
+                </a:solidFill>
+              </a14:hiddenFill>
+            </a:ext>
+          </a:extLst>
+        </p:spPr>
+      </p:pic>
+      <p:pic>
+        <p:nvPicPr>
+          <p:cNvPr id="5" name="Grafik 4">
+            <a:extLst>
+              <a:ext uri="{FF2B5EF4-FFF2-40B4-BE49-F238E27FC236}">
+                <a16:creationId xmlns:a16="http://schemas.microsoft.com/office/drawing/2014/main" id="{59173CF0-1530-40A5-B9A7-83C22BDA2DF9}"/>
+              </a:ext>
+            </a:extLst>
+          </p:cNvPr>
+          <p:cNvPicPr>
+            <a:picLocks noChangeAspect="1"/>
+          </p:cNvPicPr>
+          <p:nvPr/>
+        </p:nvPicPr>
+        <p:blipFill>
+          <a:blip r:embed="rId3"/>
+          <a:stretch>
+            <a:fillRect/>
+          </a:stretch>
+        </p:blipFill>
+        <p:spPr>
+          <a:xfrm>
+            <a:off x="3930996" y="3913189"/>
+            <a:ext cx="2264705" cy="1893341"/>
+          </a:xfrm>
+          <a:prstGeom prst="rect">
+            <a:avLst/>
+          </a:prstGeom>
+          <a:ln w="12700">
+            <a:solidFill>
+              <a:schemeClr val="tx1"/>
+            </a:solidFill>
+          </a:ln>
+        </p:spPr>
+      </p:pic>
+      <p:sp>
+        <p:nvSpPr>
+          <p:cNvPr id="6" name="Rechteck 5">
+            <a:extLst>
+              <a:ext uri="{FF2B5EF4-FFF2-40B4-BE49-F238E27FC236}">
+                <a16:creationId xmlns:a16="http://schemas.microsoft.com/office/drawing/2014/main" id="{997241D2-0EE9-47BC-9CF9-36165171F37C}"/>
+              </a:ext>
+            </a:extLst>
+          </p:cNvPr>
+          <p:cNvSpPr/>
+          <p:nvPr/>
+        </p:nvSpPr>
+        <p:spPr>
+          <a:xfrm>
+            <a:off x="4161802" y="1392964"/>
+            <a:ext cx="555477" cy="495657"/>
+          </a:xfrm>
+          <a:prstGeom prst="rect">
+            <a:avLst/>
+          </a:prstGeom>
+          <a:noFill/>
+          <a:ln w="19050">
+            <a:solidFill>
+              <a:schemeClr val="tx1"/>
+            </a:solidFill>
+          </a:ln>
+        </p:spPr>
+        <p:style>
+          <a:lnRef idx="2">
+            <a:schemeClr val="accent1">
+              <a:shade val="50000"/>
+            </a:schemeClr>
+          </a:lnRef>
+          <a:fillRef idx="1">
+            <a:schemeClr val="accent1"/>
+          </a:fillRef>
+          <a:effectRef idx="0">
+            <a:schemeClr val="accent1"/>
+          </a:effectRef>
+          <a:fontRef idx="minor">
+            <a:schemeClr val="lt1"/>
+          </a:fontRef>
+        </p:style>
+        <p:txBody>
+          <a:bodyPr rtlCol="0" anchor="ctr"/>
+          <a:lstStyle/>
+          <a:p>
+            <a:pPr algn="ctr"/>
+            <a:endParaRPr lang="de-DE"/>
+          </a:p>
+        </p:txBody>
+      </p:sp>
+      <p:sp>
+        <p:nvSpPr>
+          <p:cNvPr id="7" name="Rechteck 6">
+            <a:extLst>
+              <a:ext uri="{FF2B5EF4-FFF2-40B4-BE49-F238E27FC236}">
+                <a16:creationId xmlns:a16="http://schemas.microsoft.com/office/drawing/2014/main" id="{80DF17DC-B733-4C0C-90E1-934C9A5FB532}"/>
+              </a:ext>
+            </a:extLst>
+          </p:cNvPr>
+          <p:cNvSpPr/>
+          <p:nvPr/>
+        </p:nvSpPr>
+        <p:spPr>
+          <a:xfrm>
+            <a:off x="3349624" y="4580546"/>
+            <a:ext cx="513075" cy="1225984"/>
+          </a:xfrm>
+          <a:prstGeom prst="rect">
+            <a:avLst/>
+          </a:prstGeom>
+          <a:solidFill>
+            <a:schemeClr val="bg1"/>
+          </a:solidFill>
+          <a:ln>
+            <a:noFill/>
+          </a:ln>
+        </p:spPr>
+        <p:style>
+          <a:lnRef idx="2">
+            <a:schemeClr val="accent1">
+              <a:shade val="50000"/>
+            </a:schemeClr>
+          </a:lnRef>
+          <a:fillRef idx="1">
+            <a:schemeClr val="accent1"/>
+          </a:fillRef>
+          <a:effectRef idx="0">
+            <a:schemeClr val="accent1"/>
+          </a:effectRef>
+          <a:fontRef idx="minor">
+            <a:schemeClr val="lt1"/>
+          </a:fontRef>
+        </p:style>
+        <p:txBody>
+          <a:bodyPr rtlCol="0" anchor="ctr"/>
+          <a:lstStyle/>
+          <a:p>
+            <a:pPr algn="ctr"/>
+            <a:endParaRPr lang="de-DE"/>
+          </a:p>
+        </p:txBody>
+      </p:sp>
+      <p:sp>
+        <p:nvSpPr>
+          <p:cNvPr id="9" name="Rechteck 8">
+            <a:extLst>
+              <a:ext uri="{FF2B5EF4-FFF2-40B4-BE49-F238E27FC236}">
+                <a16:creationId xmlns:a16="http://schemas.microsoft.com/office/drawing/2014/main" id="{7E7AC954-5604-4E64-842B-A7B8619BE31E}"/>
+              </a:ext>
+            </a:extLst>
+          </p:cNvPr>
+          <p:cNvSpPr/>
+          <p:nvPr/>
+        </p:nvSpPr>
+        <p:spPr>
+          <a:xfrm>
+            <a:off x="4204204" y="5886628"/>
+            <a:ext cx="1256559" cy="437260"/>
+          </a:xfrm>
+          <a:prstGeom prst="rect">
+            <a:avLst/>
+          </a:prstGeom>
+          <a:solidFill>
+            <a:schemeClr val="bg1"/>
+          </a:solidFill>
+          <a:ln>
+            <a:noFill/>
+          </a:ln>
+        </p:spPr>
+        <p:style>
+          <a:lnRef idx="2">
+            <a:schemeClr val="accent1">
+              <a:shade val="50000"/>
+            </a:schemeClr>
+          </a:lnRef>
+          <a:fillRef idx="1">
+            <a:schemeClr val="accent1"/>
+          </a:fillRef>
+          <a:effectRef idx="0">
+            <a:schemeClr val="accent1"/>
+          </a:effectRef>
+          <a:fontRef idx="minor">
+            <a:schemeClr val="lt1"/>
+          </a:fontRef>
+        </p:style>
+        <p:txBody>
+          <a:bodyPr rtlCol="0" anchor="ctr"/>
+          <a:lstStyle/>
+          <a:p>
+            <a:pPr algn="ctr"/>
+            <a:endParaRPr lang="de-DE"/>
+          </a:p>
+        </p:txBody>
+      </p:sp>
+      <p:sp>
+        <p:nvSpPr>
+          <p:cNvPr id="10" name="Rechteck 9">
+            <a:extLst>
+              <a:ext uri="{FF2B5EF4-FFF2-40B4-BE49-F238E27FC236}">
+                <a16:creationId xmlns:a16="http://schemas.microsoft.com/office/drawing/2014/main" id="{AE882108-3930-4437-AD82-842A0D33E005}"/>
+              </a:ext>
+            </a:extLst>
+          </p:cNvPr>
+          <p:cNvSpPr/>
+          <p:nvPr/>
+        </p:nvSpPr>
+        <p:spPr>
+          <a:xfrm>
+            <a:off x="4550273" y="3616783"/>
+            <a:ext cx="1047222" cy="279314"/>
+          </a:xfrm>
+          <a:prstGeom prst="rect">
+            <a:avLst/>
+          </a:prstGeom>
+          <a:solidFill>
+            <a:schemeClr val="bg1"/>
+          </a:solidFill>
+          <a:ln>
+            <a:noFill/>
+          </a:ln>
+        </p:spPr>
+        <p:style>
+          <a:lnRef idx="2">
+            <a:schemeClr val="accent1">
+              <a:shade val="50000"/>
+            </a:schemeClr>
+          </a:lnRef>
+          <a:fillRef idx="1">
+            <a:schemeClr val="accent1"/>
+          </a:fillRef>
+          <a:effectRef idx="0">
+            <a:schemeClr val="accent1"/>
+          </a:effectRef>
+          <a:fontRef idx="minor">
+            <a:schemeClr val="lt1"/>
+          </a:fontRef>
+        </p:style>
+        <p:txBody>
+          <a:bodyPr rtlCol="0" anchor="ctr"/>
+          <a:lstStyle/>
+          <a:p>
+            <a:pPr algn="ctr"/>
+            <a:endParaRPr lang="de-DE"/>
+          </a:p>
+        </p:txBody>
+      </p:sp>
+      <p:cxnSp>
+        <p:nvCxnSpPr>
+          <p:cNvPr id="11" name="Gerader Verbinder 10">
+            <a:extLst>
+              <a:ext uri="{FF2B5EF4-FFF2-40B4-BE49-F238E27FC236}">
+                <a16:creationId xmlns:a16="http://schemas.microsoft.com/office/drawing/2014/main" id="{D484E8F1-6993-4F09-AE5D-CDBF8AC3A8D9}"/>
+              </a:ext>
+            </a:extLst>
+          </p:cNvPr>
+          <p:cNvCxnSpPr/>
+          <p:nvPr/>
+        </p:nvCxnSpPr>
+        <p:spPr>
+          <a:xfrm flipH="1">
+            <a:off x="3930996" y="1888621"/>
+            <a:ext cx="230806" cy="2007476"/>
+          </a:xfrm>
+          <a:prstGeom prst="line">
+            <a:avLst/>
+          </a:prstGeom>
+        </p:spPr>
+        <p:style>
+          <a:lnRef idx="1">
+            <a:schemeClr val="dk1"/>
+          </a:lnRef>
+          <a:fillRef idx="0">
+            <a:schemeClr val="dk1"/>
+          </a:fillRef>
+          <a:effectRef idx="0">
+            <a:schemeClr val="dk1"/>
+          </a:effectRef>
+          <a:fontRef idx="minor">
+            <a:schemeClr val="tx1"/>
+          </a:fontRef>
+        </p:style>
+      </p:cxnSp>
+      <p:cxnSp>
+        <p:nvCxnSpPr>
+          <p:cNvPr id="13" name="Gerader Verbinder 12">
+            <a:extLst>
+              <a:ext uri="{FF2B5EF4-FFF2-40B4-BE49-F238E27FC236}">
+                <a16:creationId xmlns:a16="http://schemas.microsoft.com/office/drawing/2014/main" id="{BAB845E1-EEE5-4316-AC32-8C07DE17E681}"/>
+              </a:ext>
+            </a:extLst>
+          </p:cNvPr>
+          <p:cNvCxnSpPr/>
+          <p:nvPr/>
+        </p:nvCxnSpPr>
+        <p:spPr>
+          <a:xfrm>
+            <a:off x="4717279" y="1888621"/>
+            <a:ext cx="1478422" cy="2024568"/>
+          </a:xfrm>
+          <a:prstGeom prst="line">
+            <a:avLst/>
+          </a:prstGeom>
+        </p:spPr>
+        <p:style>
+          <a:lnRef idx="1">
+            <a:schemeClr val="dk1"/>
+          </a:lnRef>
+          <a:fillRef idx="0">
+            <a:schemeClr val="dk1"/>
+          </a:fillRef>
+          <a:effectRef idx="0">
+            <a:schemeClr val="dk1"/>
+          </a:effectRef>
+          <a:fontRef idx="minor">
+            <a:schemeClr val="tx1"/>
+          </a:fontRef>
+        </p:style>
+      </p:cxnSp>
+    </p:spTree>
+    <p:extLst>
+      <p:ext uri="{BB962C8B-B14F-4D97-AF65-F5344CB8AC3E}">
+        <p14:creationId xmlns:p14="http://schemas.microsoft.com/office/powerpoint/2010/main" val="3835312757"/>
+      </p:ext>
+    </p:extLst>
+  </p:cSld>
+  <p:clrMapOvr>
+    <a:masterClrMapping/>
+  </p:clrMapOvr>
+</p:sld>
+</file>
+
+<file path=ppt/slides/slide6.xml><?xml version="1.0" encoding="utf-8"?>
+<p:sld xmlns:a="http://schemas.openxmlformats.org/drawingml/2006/main" xmlns:r="http://schemas.openxmlformats.org/officeDocument/2006/relationships" xmlns:p="http://schemas.openxmlformats.org/presentationml/2006/main">
+  <p:cSld>
+    <p:spTree>
+      <p:nvGrpSpPr>
+        <p:cNvPr id="1" name=""/>
+        <p:cNvGrpSpPr/>
+        <p:nvPr/>
+      </p:nvGrpSpPr>
+      <p:grpSpPr>
+        <a:xfrm>
+          <a:off x="0" y="0"/>
+          <a:ext cx="0" cy="0"/>
+          <a:chOff x="0" y="0"/>
+          <a:chExt cx="0" cy="0"/>
+        </a:xfrm>
+      </p:grpSpPr>
+      <p:pic>
+        <p:nvPicPr>
+          <p:cNvPr id="3074" name="Picture 2">
+            <a:extLst>
+              <a:ext uri="{FF2B5EF4-FFF2-40B4-BE49-F238E27FC236}">
+                <a16:creationId xmlns:a16="http://schemas.microsoft.com/office/drawing/2014/main" id="{D4DF8EE6-DD7D-4F15-9782-728287D72252}"/>
+              </a:ext>
+            </a:extLst>
+          </p:cNvPr>
+          <p:cNvPicPr>
+            <a:picLocks noChangeAspect="1" noChangeArrowheads="1"/>
+          </p:cNvPicPr>
+          <p:nvPr/>
+        </p:nvPicPr>
+        <p:blipFill>
+          <a:blip r:embed="rId2">
+            <a:extLst>
+              <a:ext uri="{28A0092B-C50C-407E-A947-70E740481C1C}">
+                <a14:useLocalDpi xmlns:a14="http://schemas.microsoft.com/office/drawing/2010/main" val="0"/>
+              </a:ext>
+            </a:extLst>
+          </a:blip>
+          <a:srcRect/>
+          <a:stretch>
+            <a:fillRect/>
+          </a:stretch>
+        </p:blipFill>
+        <p:spPr bwMode="auto">
+          <a:xfrm>
+            <a:off x="3176188" y="854579"/>
+            <a:ext cx="6096000" cy="4860421"/>
+          </a:xfrm>
+          <a:prstGeom prst="rect">
+            <a:avLst/>
+          </a:prstGeom>
+          <a:noFill/>
+          <a:extLst>
+            <a:ext uri="{909E8E84-426E-40DD-AFC4-6F175D3DCCD1}">
+              <a14:hiddenFill xmlns:a14="http://schemas.microsoft.com/office/drawing/2010/main">
+                <a:solidFill>
+                  <a:srgbClr val="FFFFFF"/>
+                </a:solidFill>
+              </a14:hiddenFill>
+            </a:ext>
+          </a:extLst>
+        </p:spPr>
+      </p:pic>
+      <p:cxnSp>
+        <p:nvCxnSpPr>
+          <p:cNvPr id="14" name="Gerader Verbinder 13">
+            <a:extLst>
+              <a:ext uri="{FF2B5EF4-FFF2-40B4-BE49-F238E27FC236}">
+                <a16:creationId xmlns:a16="http://schemas.microsoft.com/office/drawing/2014/main" id="{B8ED5ED5-D76A-46E2-8BE3-5EFF5653636A}"/>
+              </a:ext>
+            </a:extLst>
+          </p:cNvPr>
+          <p:cNvCxnSpPr>
+            <a:cxnSpLocks/>
+          </p:cNvCxnSpPr>
+          <p:nvPr/>
+        </p:nvCxnSpPr>
+        <p:spPr>
+          <a:xfrm>
+            <a:off x="4912718" y="5110385"/>
+            <a:ext cx="526057" cy="0"/>
+          </a:xfrm>
+          <a:prstGeom prst="line">
+            <a:avLst/>
+          </a:prstGeom>
+          <a:ln w="76200">
+            <a:solidFill>
+              <a:schemeClr val="tx1"/>
+            </a:solidFill>
+          </a:ln>
+        </p:spPr>
+        <p:style>
+          <a:lnRef idx="1">
+            <a:schemeClr val="accent1"/>
+          </a:lnRef>
+          <a:fillRef idx="0">
+            <a:schemeClr val="accent1"/>
+          </a:fillRef>
+          <a:effectRef idx="0">
+            <a:schemeClr val="accent1"/>
+          </a:effectRef>
+          <a:fontRef idx="minor">
+            <a:schemeClr val="tx1"/>
+          </a:fontRef>
+        </p:style>
+      </p:cxnSp>
+      <p:cxnSp>
+        <p:nvCxnSpPr>
+          <p:cNvPr id="15" name="Gerader Verbinder 14">
+            <a:extLst>
+              <a:ext uri="{FF2B5EF4-FFF2-40B4-BE49-F238E27FC236}">
+                <a16:creationId xmlns:a16="http://schemas.microsoft.com/office/drawing/2014/main" id="{D76A2F04-EA2C-4784-AE1A-B943B16576FB}"/>
+              </a:ext>
+            </a:extLst>
+          </p:cNvPr>
+          <p:cNvCxnSpPr>
+            <a:cxnSpLocks/>
+          </p:cNvCxnSpPr>
+          <p:nvPr/>
+        </p:nvCxnSpPr>
+        <p:spPr>
+          <a:xfrm>
+            <a:off x="6399375" y="5110385"/>
+            <a:ext cx="531264" cy="0"/>
+          </a:xfrm>
+          <a:prstGeom prst="line">
+            <a:avLst/>
+          </a:prstGeom>
+          <a:ln w="76200">
+            <a:solidFill>
+              <a:schemeClr val="tx1"/>
+            </a:solidFill>
+          </a:ln>
+        </p:spPr>
+        <p:style>
+          <a:lnRef idx="1">
+            <a:schemeClr val="accent1"/>
+          </a:lnRef>
+          <a:fillRef idx="0">
+            <a:schemeClr val="accent1"/>
+          </a:fillRef>
+          <a:effectRef idx="0">
+            <a:schemeClr val="accent1"/>
+          </a:effectRef>
+          <a:fontRef idx="minor">
+            <a:schemeClr val="tx1"/>
+          </a:fontRef>
+        </p:style>
+      </p:cxnSp>
+      <p:sp>
+        <p:nvSpPr>
+          <p:cNvPr id="19" name="Rechteck 18">
+            <a:extLst>
+              <a:ext uri="{FF2B5EF4-FFF2-40B4-BE49-F238E27FC236}">
+                <a16:creationId xmlns:a16="http://schemas.microsoft.com/office/drawing/2014/main" id="{8B9F2003-A554-464B-802C-6EFCCBB3A805}"/>
+              </a:ext>
+            </a:extLst>
+          </p:cNvPr>
+          <p:cNvSpPr/>
+          <p:nvPr/>
+        </p:nvSpPr>
+        <p:spPr>
+          <a:xfrm>
+            <a:off x="6454140" y="5196840"/>
+            <a:ext cx="476499" cy="251457"/>
+          </a:xfrm>
+          <a:prstGeom prst="rect">
+            <a:avLst/>
+          </a:prstGeom>
+          <a:solidFill>
+            <a:schemeClr val="bg1"/>
+          </a:solidFill>
+          <a:ln>
+            <a:noFill/>
+          </a:ln>
+        </p:spPr>
+        <p:style>
+          <a:lnRef idx="2">
+            <a:schemeClr val="accent1">
+              <a:shade val="50000"/>
+            </a:schemeClr>
+          </a:lnRef>
+          <a:fillRef idx="1">
+            <a:schemeClr val="accent1"/>
+          </a:fillRef>
+          <a:effectRef idx="0">
+            <a:schemeClr val="accent1"/>
+          </a:effectRef>
+          <a:fontRef idx="minor">
+            <a:schemeClr val="lt1"/>
+          </a:fontRef>
+        </p:style>
+        <p:txBody>
+          <a:bodyPr rtlCol="0" anchor="ctr"/>
+          <a:lstStyle/>
+          <a:p>
+            <a:pPr algn="ctr"/>
+            <a:endParaRPr lang="de-DE"/>
+          </a:p>
+        </p:txBody>
+      </p:sp>
+      <p:sp>
+        <p:nvSpPr>
+          <p:cNvPr id="21" name="Rechteck 20">
+            <a:extLst>
+              <a:ext uri="{FF2B5EF4-FFF2-40B4-BE49-F238E27FC236}">
+                <a16:creationId xmlns:a16="http://schemas.microsoft.com/office/drawing/2014/main" id="{37065D5D-DBE7-4A85-811E-40CF26F5B9AA}"/>
+              </a:ext>
+            </a:extLst>
+          </p:cNvPr>
+          <p:cNvSpPr/>
+          <p:nvPr/>
+        </p:nvSpPr>
+        <p:spPr>
+          <a:xfrm>
+            <a:off x="4937496" y="5286964"/>
+            <a:ext cx="476499" cy="251457"/>
+          </a:xfrm>
+          <a:prstGeom prst="rect">
+            <a:avLst/>
+          </a:prstGeom>
+          <a:solidFill>
+            <a:schemeClr val="bg1"/>
+          </a:solidFill>
+          <a:ln>
+            <a:noFill/>
+          </a:ln>
+        </p:spPr>
+        <p:style>
+          <a:lnRef idx="2">
+            <a:schemeClr val="accent1">
+              <a:shade val="50000"/>
+            </a:schemeClr>
+          </a:lnRef>
+          <a:fillRef idx="1">
+            <a:schemeClr val="accent1"/>
+          </a:fillRef>
+          <a:effectRef idx="0">
+            <a:schemeClr val="accent1"/>
+          </a:effectRef>
+          <a:fontRef idx="minor">
+            <a:schemeClr val="lt1"/>
+          </a:fontRef>
+        </p:style>
+        <p:txBody>
+          <a:bodyPr rtlCol="0" anchor="ctr"/>
+          <a:lstStyle/>
+          <a:p>
+            <a:pPr algn="ctr"/>
+            <a:endParaRPr lang="de-DE"/>
+          </a:p>
+        </p:txBody>
+      </p:sp>
+      <mc:AlternateContent xmlns:mc="http://schemas.openxmlformats.org/markup-compatibility/2006" xmlns:a14="http://schemas.microsoft.com/office/drawing/2010/main">
+        <mc:Choice Requires="a14">
+          <p:sp>
+            <p:nvSpPr>
+              <p:cNvPr id="18" name="Textfeld 17">
+                <a:extLst>
+                  <a:ext uri="{FF2B5EF4-FFF2-40B4-BE49-F238E27FC236}">
+                    <a16:creationId xmlns:a16="http://schemas.microsoft.com/office/drawing/2014/main" id="{17EF17C0-C3CD-4FEE-8971-385B37B88A7C}"/>
+                  </a:ext>
+                </a:extLst>
+              </p:cNvPr>
+              <p:cNvSpPr txBox="1"/>
+              <p:nvPr/>
+            </p:nvSpPr>
+            <p:spPr>
+              <a:xfrm>
+                <a:off x="6518927" y="5169089"/>
+                <a:ext cx="243840" cy="369332"/>
+              </a:xfrm>
+              <a:prstGeom prst="rect">
+                <a:avLst/>
+              </a:prstGeom>
+              <a:noFill/>
+            </p:spPr>
+            <p:txBody>
+              <a:bodyPr wrap="square" rtlCol="0">
+                <a:spAutoFit/>
+              </a:bodyPr>
+              <a:lstStyle/>
+              <a:p>
+                <a:pPr/>
+                <a14:m>
+                  <m:oMathPara xmlns:m="http://schemas.openxmlformats.org/officeDocument/2006/math">
+                    <m:oMathParaPr>
+                      <m:jc m:val="centerGroup"/>
+                    </m:oMathParaPr>
+                    <m:oMath xmlns:m="http://schemas.openxmlformats.org/officeDocument/2006/math">
+                      <m:r>
+                        <a:rPr lang="de-DE" b="0" i="1" smtClean="0">
+                          <a:latin typeface="Cambria Math" panose="02040503050406030204" pitchFamily="18" charset="0"/>
+                        </a:rPr>
+                        <m:t>𝑑</m:t>
+                      </m:r>
+                    </m:oMath>
+                  </m:oMathPara>
+                </a14:m>
+                <a:endParaRPr lang="de-DE" dirty="0"/>
+              </a:p>
+            </p:txBody>
+          </p:sp>
+        </mc:Choice>
+        <mc:Fallback xmlns="">
+          <p:sp>
+            <p:nvSpPr>
+              <p:cNvPr id="18" name="Textfeld 17">
+                <a:extLst>
+                  <a:ext uri="{FF2B5EF4-FFF2-40B4-BE49-F238E27FC236}">
+                    <a16:creationId xmlns:a16="http://schemas.microsoft.com/office/drawing/2014/main" id="{17EF17C0-C3CD-4FEE-8971-385B37B88A7C}"/>
+                  </a:ext>
+                </a:extLst>
+              </p:cNvPr>
+              <p:cNvSpPr txBox="1">
+                <a:spLocks noRot="1" noChangeAspect="1" noMove="1" noResize="1" noEditPoints="1" noAdjustHandles="1" noChangeArrowheads="1" noChangeShapeType="1" noTextEdit="1"/>
+              </p:cNvSpPr>
+              <p:nvPr/>
+            </p:nvSpPr>
+            <p:spPr>
+              <a:xfrm>
+                <a:off x="6518927" y="5169089"/>
+                <a:ext cx="243840" cy="369332"/>
+              </a:xfrm>
+              <a:prstGeom prst="rect">
+                <a:avLst/>
+              </a:prstGeom>
+              <a:blipFill>
+                <a:blip r:embed="rId3"/>
+                <a:stretch>
+                  <a:fillRect r="-27500"/>
+                </a:stretch>
+              </a:blipFill>
+            </p:spPr>
+            <p:txBody>
+              <a:bodyPr/>
+              <a:lstStyle/>
+              <a:p>
+                <a:r>
+                  <a:rPr lang="de-DE">
+                    <a:noFill/>
+                  </a:rPr>
+                  <a:t> </a:t>
+                </a:r>
+              </a:p>
+            </p:txBody>
+          </p:sp>
+        </mc:Fallback>
+      </mc:AlternateContent>
+      <mc:AlternateContent xmlns:mc="http://schemas.openxmlformats.org/markup-compatibility/2006" xmlns:a14="http://schemas.microsoft.com/office/drawing/2010/main">
+        <mc:Choice Requires="a14">
+          <p:sp>
+            <p:nvSpPr>
+              <p:cNvPr id="22" name="Textfeld 21">
+                <a:extLst>
+                  <a:ext uri="{FF2B5EF4-FFF2-40B4-BE49-F238E27FC236}">
+                    <a16:creationId xmlns:a16="http://schemas.microsoft.com/office/drawing/2014/main" id="{4A873939-BA17-47FB-B98E-3BB32F63BD02}"/>
+                  </a:ext>
+                </a:extLst>
+              </p:cNvPr>
+              <p:cNvSpPr txBox="1"/>
+              <p:nvPr/>
+            </p:nvSpPr>
+            <p:spPr>
+              <a:xfrm>
+                <a:off x="5038585" y="5169089"/>
+                <a:ext cx="243840" cy="369332"/>
+              </a:xfrm>
+              <a:prstGeom prst="rect">
+                <a:avLst/>
+              </a:prstGeom>
+              <a:noFill/>
+            </p:spPr>
+            <p:txBody>
+              <a:bodyPr wrap="square" rtlCol="0">
+                <a:spAutoFit/>
+              </a:bodyPr>
+              <a:lstStyle/>
+              <a:p>
+                <a:pPr/>
+                <a14:m>
+                  <m:oMathPara xmlns:m="http://schemas.openxmlformats.org/officeDocument/2006/math">
+                    <m:oMathParaPr>
+                      <m:jc m:val="centerGroup"/>
+                    </m:oMathParaPr>
+                    <m:oMath xmlns:m="http://schemas.openxmlformats.org/officeDocument/2006/math">
+                      <m:r>
+                        <a:rPr lang="de-DE" b="0" i="1" smtClean="0">
+                          <a:latin typeface="Cambria Math" panose="02040503050406030204" pitchFamily="18" charset="0"/>
+                        </a:rPr>
+                        <m:t>𝑑</m:t>
+                      </m:r>
+                    </m:oMath>
+                  </m:oMathPara>
+                </a14:m>
+                <a:endParaRPr lang="de-DE" dirty="0"/>
+              </a:p>
+            </p:txBody>
+          </p:sp>
+        </mc:Choice>
+        <mc:Fallback xmlns="">
+          <p:sp>
+            <p:nvSpPr>
+              <p:cNvPr id="22" name="Textfeld 21">
+                <a:extLst>
+                  <a:ext uri="{FF2B5EF4-FFF2-40B4-BE49-F238E27FC236}">
+                    <a16:creationId xmlns:a16="http://schemas.microsoft.com/office/drawing/2014/main" id="{4A873939-BA17-47FB-B98E-3BB32F63BD02}"/>
+                  </a:ext>
+                </a:extLst>
+              </p:cNvPr>
+              <p:cNvSpPr txBox="1">
+                <a:spLocks noRot="1" noChangeAspect="1" noMove="1" noResize="1" noEditPoints="1" noAdjustHandles="1" noChangeArrowheads="1" noChangeShapeType="1" noTextEdit="1"/>
+              </p:cNvSpPr>
+              <p:nvPr/>
+            </p:nvSpPr>
+            <p:spPr>
+              <a:xfrm>
+                <a:off x="5038585" y="5169089"/>
+                <a:ext cx="243840" cy="369332"/>
+              </a:xfrm>
+              <a:prstGeom prst="rect">
+                <a:avLst/>
+              </a:prstGeom>
+              <a:blipFill>
+                <a:blip r:embed="rId4"/>
+                <a:stretch>
+                  <a:fillRect r="-27500"/>
+                </a:stretch>
+              </a:blipFill>
+            </p:spPr>
+            <p:txBody>
+              <a:bodyPr/>
+              <a:lstStyle/>
+              <a:p>
+                <a:r>
+                  <a:rPr lang="de-DE">
+                    <a:noFill/>
+                  </a:rPr>
+                  <a:t> </a:t>
+                </a:r>
+              </a:p>
+            </p:txBody>
+          </p:sp>
+        </mc:Fallback>
+      </mc:AlternateContent>
+      <p:cxnSp>
+        <p:nvCxnSpPr>
+          <p:cNvPr id="25" name="Gerader Verbinder 24">
+            <a:extLst>
+              <a:ext uri="{FF2B5EF4-FFF2-40B4-BE49-F238E27FC236}">
+                <a16:creationId xmlns:a16="http://schemas.microsoft.com/office/drawing/2014/main" id="{D253E67B-095C-4A1D-BA48-28439586D02E}"/>
+              </a:ext>
+            </a:extLst>
+          </p:cNvPr>
+          <p:cNvCxnSpPr/>
+          <p:nvPr/>
+        </p:nvCxnSpPr>
+        <p:spPr>
+          <a:xfrm>
+            <a:off x="6402550" y="5110385"/>
+            <a:ext cx="0" cy="337912"/>
+          </a:xfrm>
+          <a:prstGeom prst="line">
+            <a:avLst/>
+          </a:prstGeom>
+        </p:spPr>
+        <p:style>
+          <a:lnRef idx="1">
+            <a:schemeClr val="dk1"/>
+          </a:lnRef>
+          <a:fillRef idx="0">
+            <a:schemeClr val="dk1"/>
+          </a:fillRef>
+          <a:effectRef idx="0">
+            <a:schemeClr val="dk1"/>
+          </a:effectRef>
+          <a:fontRef idx="minor">
+            <a:schemeClr val="tx1"/>
+          </a:fontRef>
+        </p:style>
+      </p:cxnSp>
+      <p:cxnSp>
+        <p:nvCxnSpPr>
+          <p:cNvPr id="27" name="Gerader Verbinder 26">
+            <a:extLst>
+              <a:ext uri="{FF2B5EF4-FFF2-40B4-BE49-F238E27FC236}">
+                <a16:creationId xmlns:a16="http://schemas.microsoft.com/office/drawing/2014/main" id="{815FE48E-BA21-4EB3-8386-8C58110E0364}"/>
+              </a:ext>
+            </a:extLst>
+          </p:cNvPr>
+          <p:cNvCxnSpPr/>
+          <p:nvPr/>
+        </p:nvCxnSpPr>
+        <p:spPr>
+          <a:xfrm>
+            <a:off x="6927464" y="5110385"/>
+            <a:ext cx="0" cy="337912"/>
+          </a:xfrm>
+          <a:prstGeom prst="line">
+            <a:avLst/>
+          </a:prstGeom>
+        </p:spPr>
+        <p:style>
+          <a:lnRef idx="1">
+            <a:schemeClr val="dk1"/>
+          </a:lnRef>
+          <a:fillRef idx="0">
+            <a:schemeClr val="dk1"/>
+          </a:fillRef>
+          <a:effectRef idx="0">
+            <a:schemeClr val="dk1"/>
+          </a:effectRef>
+          <a:fontRef idx="minor">
+            <a:schemeClr val="tx1"/>
+          </a:fontRef>
+        </p:style>
+      </p:cxnSp>
+      <p:cxnSp>
+        <p:nvCxnSpPr>
+          <p:cNvPr id="28" name="Gerader Verbinder 27">
+            <a:extLst>
+              <a:ext uri="{FF2B5EF4-FFF2-40B4-BE49-F238E27FC236}">
+                <a16:creationId xmlns:a16="http://schemas.microsoft.com/office/drawing/2014/main" id="{715004A9-EE27-45DD-8A6F-95E241E26E35}"/>
+              </a:ext>
+            </a:extLst>
+          </p:cNvPr>
+          <p:cNvCxnSpPr/>
+          <p:nvPr/>
+        </p:nvCxnSpPr>
+        <p:spPr>
+          <a:xfrm>
+            <a:off x="5435600" y="5110385"/>
+            <a:ext cx="0" cy="337912"/>
+          </a:xfrm>
+          <a:prstGeom prst="line">
+            <a:avLst/>
+          </a:prstGeom>
+        </p:spPr>
+        <p:style>
+          <a:lnRef idx="1">
+            <a:schemeClr val="dk1"/>
+          </a:lnRef>
+          <a:fillRef idx="0">
+            <a:schemeClr val="dk1"/>
+          </a:fillRef>
+          <a:effectRef idx="0">
+            <a:schemeClr val="dk1"/>
+          </a:effectRef>
+          <a:fontRef idx="minor">
+            <a:schemeClr val="tx1"/>
+          </a:fontRef>
+        </p:style>
+      </p:cxnSp>
+      <p:cxnSp>
+        <p:nvCxnSpPr>
+          <p:cNvPr id="29" name="Gerader Verbinder 28">
+            <a:extLst>
+              <a:ext uri="{FF2B5EF4-FFF2-40B4-BE49-F238E27FC236}">
+                <a16:creationId xmlns:a16="http://schemas.microsoft.com/office/drawing/2014/main" id="{3A22B724-969F-41EF-8D6C-C1D0290F61E1}"/>
+              </a:ext>
+            </a:extLst>
+          </p:cNvPr>
+          <p:cNvCxnSpPr/>
+          <p:nvPr/>
+        </p:nvCxnSpPr>
+        <p:spPr>
+          <a:xfrm>
+            <a:off x="4915893" y="5103351"/>
+            <a:ext cx="0" cy="337912"/>
+          </a:xfrm>
+          <a:prstGeom prst="line">
+            <a:avLst/>
+          </a:prstGeom>
+        </p:spPr>
+        <p:style>
+          <a:lnRef idx="1">
+            <a:schemeClr val="dk1"/>
+          </a:lnRef>
+          <a:fillRef idx="0">
+            <a:schemeClr val="dk1"/>
+          </a:fillRef>
+          <a:effectRef idx="0">
+            <a:schemeClr val="dk1"/>
+          </a:effectRef>
+          <a:fontRef idx="minor">
+            <a:schemeClr val="tx1"/>
+          </a:fontRef>
+        </p:style>
+      </p:cxnSp>
+      <p:sp>
+        <p:nvSpPr>
+          <p:cNvPr id="30" name="Rechteck 29">
+            <a:extLst>
+              <a:ext uri="{FF2B5EF4-FFF2-40B4-BE49-F238E27FC236}">
+                <a16:creationId xmlns:a16="http://schemas.microsoft.com/office/drawing/2014/main" id="{2DE75A5D-CFE0-435E-9167-D6AFCCE09C4F}"/>
+              </a:ext>
+            </a:extLst>
+          </p:cNvPr>
+          <p:cNvSpPr/>
+          <p:nvPr/>
+        </p:nvSpPr>
+        <p:spPr>
+          <a:xfrm>
+            <a:off x="3558540" y="2048464"/>
+            <a:ext cx="300975" cy="2790236"/>
+          </a:xfrm>
+          <a:prstGeom prst="rect">
+            <a:avLst/>
+          </a:prstGeom>
+          <a:solidFill>
+            <a:schemeClr val="bg1"/>
+          </a:solidFill>
+          <a:ln>
+            <a:noFill/>
+          </a:ln>
+        </p:spPr>
+        <p:style>
+          <a:lnRef idx="2">
+            <a:schemeClr val="accent1">
+              <a:shade val="50000"/>
+            </a:schemeClr>
+          </a:lnRef>
+          <a:fillRef idx="1">
+            <a:schemeClr val="accent1"/>
+          </a:fillRef>
+          <a:effectRef idx="0">
+            <a:schemeClr val="accent1"/>
+          </a:effectRef>
+          <a:fontRef idx="minor">
+            <a:schemeClr val="lt1"/>
+          </a:fontRef>
+        </p:style>
+        <p:txBody>
+          <a:bodyPr rtlCol="0" anchor="ctr"/>
+          <a:lstStyle/>
+          <a:p>
+            <a:pPr algn="ctr"/>
+            <a:endParaRPr lang="de-DE"/>
+          </a:p>
+        </p:txBody>
+      </p:sp>
+    </p:spTree>
+    <p:extLst>
+      <p:ext uri="{BB962C8B-B14F-4D97-AF65-F5344CB8AC3E}">
+        <p14:creationId xmlns:p14="http://schemas.microsoft.com/office/powerpoint/2010/main" val="376715506"/>
+      </p:ext>
+    </p:extLst>
+  </p:cSld>
+  <p:clrMapOvr>
+    <a:masterClrMapping/>
+  </p:clrMapOvr>
+</p:sld>
+</file>
+
+<file path=ppt/slides/slide7.xml><?xml version="1.0" encoding="utf-8"?>
+<p:sld xmlns:a="http://schemas.openxmlformats.org/drawingml/2006/main" xmlns:r="http://schemas.openxmlformats.org/officeDocument/2006/relationships" xmlns:p="http://schemas.openxmlformats.org/presentationml/2006/main">
+  <p:cSld>
+    <p:spTree>
+      <p:nvGrpSpPr>
+        <p:cNvPr id="1" name=""/>
+        <p:cNvGrpSpPr/>
+        <p:nvPr/>
+      </p:nvGrpSpPr>
+      <p:grpSpPr>
+        <a:xfrm>
+          <a:off x="0" y="0"/>
+          <a:ext cx="0" cy="0"/>
+          <a:chOff x="0" y="0"/>
+          <a:chExt cx="0" cy="0"/>
+        </a:xfrm>
+      </p:grpSpPr>
+      <p:pic>
+        <p:nvPicPr>
+          <p:cNvPr id="6148" name="Picture 4">
+            <a:extLst>
+              <a:ext uri="{FF2B5EF4-FFF2-40B4-BE49-F238E27FC236}">
+                <a16:creationId xmlns:a16="http://schemas.microsoft.com/office/drawing/2014/main" id="{3B2AA0AE-80AC-492B-A675-ABCBA414A62B}"/>
+              </a:ext>
+            </a:extLst>
+          </p:cNvPr>
+          <p:cNvPicPr>
+            <a:picLocks noChangeAspect="1" noChangeArrowheads="1"/>
+          </p:cNvPicPr>
+          <p:nvPr/>
+        </p:nvPicPr>
+        <p:blipFill>
+          <a:blip r:embed="rId2">
+            <a:extLst>
+              <a:ext uri="{28A0092B-C50C-407E-A947-70E740481C1C}">
+                <a14:useLocalDpi xmlns:a14="http://schemas.microsoft.com/office/drawing/2010/main" val="0"/>
+              </a:ext>
+            </a:extLst>
+          </a:blip>
+          <a:srcRect/>
+          <a:stretch>
+            <a:fillRect/>
+          </a:stretch>
+        </p:blipFill>
+        <p:spPr bwMode="auto">
+          <a:xfrm>
+            <a:off x="3218229" y="997527"/>
+            <a:ext cx="6096000" cy="4717473"/>
+          </a:xfrm>
+          <a:prstGeom prst="rect">
+            <a:avLst/>
+          </a:prstGeom>
+          <a:noFill/>
+          <a:extLst>
+            <a:ext uri="{909E8E84-426E-40DD-AFC4-6F175D3DCCD1}">
+              <a14:hiddenFill xmlns:a14="http://schemas.microsoft.com/office/drawing/2010/main">
+                <a:solidFill>
+                  <a:srgbClr val="FFFFFF"/>
+                </a:solidFill>
+              </a14:hiddenFill>
+            </a:ext>
+          </a:extLst>
+        </p:spPr>
+      </p:pic>
+      <p:cxnSp>
+        <p:nvCxnSpPr>
+          <p:cNvPr id="5" name="Gerader Verbinder 4">
+            <a:extLst>
+              <a:ext uri="{FF2B5EF4-FFF2-40B4-BE49-F238E27FC236}">
+                <a16:creationId xmlns:a16="http://schemas.microsoft.com/office/drawing/2014/main" id="{0C9C3AEA-A8C4-4A20-B326-EAC137574AE4}"/>
+              </a:ext>
+            </a:extLst>
+          </p:cNvPr>
+          <p:cNvCxnSpPr>
+            <a:cxnSpLocks/>
+          </p:cNvCxnSpPr>
+          <p:nvPr/>
+        </p:nvCxnSpPr>
+        <p:spPr>
+          <a:xfrm>
+            <a:off x="4875774" y="5110385"/>
+            <a:ext cx="526057" cy="0"/>
+          </a:xfrm>
+          <a:prstGeom prst="line">
+            <a:avLst/>
+          </a:prstGeom>
+          <a:ln w="76200">
+            <a:solidFill>
+              <a:schemeClr val="tx1"/>
+            </a:solidFill>
+          </a:ln>
+        </p:spPr>
+        <p:style>
+          <a:lnRef idx="1">
+            <a:schemeClr val="accent1"/>
+          </a:lnRef>
+          <a:fillRef idx="0">
+            <a:schemeClr val="accent1"/>
+          </a:fillRef>
+          <a:effectRef idx="0">
+            <a:schemeClr val="accent1"/>
+          </a:effectRef>
+          <a:fontRef idx="minor">
+            <a:schemeClr val="tx1"/>
+          </a:fontRef>
+        </p:style>
+      </p:cxnSp>
+      <p:cxnSp>
+        <p:nvCxnSpPr>
+          <p:cNvPr id="6" name="Gerader Verbinder 5">
+            <a:extLst>
+              <a:ext uri="{FF2B5EF4-FFF2-40B4-BE49-F238E27FC236}">
+                <a16:creationId xmlns:a16="http://schemas.microsoft.com/office/drawing/2014/main" id="{48AB904A-FED4-490E-AF36-49C797A78CFF}"/>
+              </a:ext>
+            </a:extLst>
+          </p:cNvPr>
+          <p:cNvCxnSpPr>
+            <a:cxnSpLocks/>
+          </p:cNvCxnSpPr>
+          <p:nvPr/>
+        </p:nvCxnSpPr>
+        <p:spPr>
+          <a:xfrm>
+            <a:off x="6334723" y="5110385"/>
+            <a:ext cx="531264" cy="0"/>
+          </a:xfrm>
+          <a:prstGeom prst="line">
+            <a:avLst/>
+          </a:prstGeom>
+          <a:ln w="76200">
+            <a:solidFill>
+              <a:schemeClr val="tx1"/>
+            </a:solidFill>
+          </a:ln>
+        </p:spPr>
+        <p:style>
+          <a:lnRef idx="1">
+            <a:schemeClr val="accent1"/>
+          </a:lnRef>
+          <a:fillRef idx="0">
+            <a:schemeClr val="accent1"/>
+          </a:fillRef>
+          <a:effectRef idx="0">
+            <a:schemeClr val="accent1"/>
+          </a:effectRef>
+          <a:fontRef idx="minor">
+            <a:schemeClr val="tx1"/>
+          </a:fontRef>
+        </p:style>
+      </p:cxnSp>
+      <p:sp>
+        <p:nvSpPr>
+          <p:cNvPr id="7" name="Rechteck 6">
+            <a:extLst>
+              <a:ext uri="{FF2B5EF4-FFF2-40B4-BE49-F238E27FC236}">
+                <a16:creationId xmlns:a16="http://schemas.microsoft.com/office/drawing/2014/main" id="{65174E31-711A-44CE-A5BE-9BF0C61693F5}"/>
+              </a:ext>
+            </a:extLst>
+          </p:cNvPr>
+          <p:cNvSpPr/>
+          <p:nvPr/>
+        </p:nvSpPr>
+        <p:spPr>
+          <a:xfrm>
+            <a:off x="6426432" y="5196840"/>
+            <a:ext cx="476499" cy="251457"/>
+          </a:xfrm>
+          <a:prstGeom prst="rect">
+            <a:avLst/>
+          </a:prstGeom>
+          <a:solidFill>
+            <a:schemeClr val="bg1"/>
+          </a:solidFill>
+          <a:ln>
+            <a:noFill/>
+          </a:ln>
+        </p:spPr>
+        <p:style>
+          <a:lnRef idx="2">
+            <a:schemeClr val="accent1">
+              <a:shade val="50000"/>
+            </a:schemeClr>
+          </a:lnRef>
+          <a:fillRef idx="1">
+            <a:schemeClr val="accent1"/>
+          </a:fillRef>
+          <a:effectRef idx="0">
+            <a:schemeClr val="accent1"/>
+          </a:effectRef>
+          <a:fontRef idx="minor">
+            <a:schemeClr val="lt1"/>
+          </a:fontRef>
+        </p:style>
+        <p:txBody>
+          <a:bodyPr rtlCol="0" anchor="ctr"/>
+          <a:lstStyle/>
+          <a:p>
+            <a:pPr algn="ctr"/>
+            <a:endParaRPr lang="de-DE"/>
+          </a:p>
+        </p:txBody>
+      </p:sp>
+      <p:sp>
+        <p:nvSpPr>
+          <p:cNvPr id="8" name="Rechteck 7">
+            <a:extLst>
+              <a:ext uri="{FF2B5EF4-FFF2-40B4-BE49-F238E27FC236}">
+                <a16:creationId xmlns:a16="http://schemas.microsoft.com/office/drawing/2014/main" id="{625C5385-ACA7-4BA9-BFCF-0C8E6B1111B6}"/>
+              </a:ext>
+            </a:extLst>
+          </p:cNvPr>
+          <p:cNvSpPr/>
+          <p:nvPr/>
+        </p:nvSpPr>
+        <p:spPr>
+          <a:xfrm>
+            <a:off x="4937496" y="5286964"/>
+            <a:ext cx="476499" cy="251457"/>
+          </a:xfrm>
+          <a:prstGeom prst="rect">
+            <a:avLst/>
+          </a:prstGeom>
+          <a:solidFill>
+            <a:schemeClr val="bg1"/>
+          </a:solidFill>
+          <a:ln>
+            <a:noFill/>
+          </a:ln>
+        </p:spPr>
+        <p:style>
+          <a:lnRef idx="2">
+            <a:schemeClr val="accent1">
+              <a:shade val="50000"/>
+            </a:schemeClr>
+          </a:lnRef>
+          <a:fillRef idx="1">
+            <a:schemeClr val="accent1"/>
+          </a:fillRef>
+          <a:effectRef idx="0">
+            <a:schemeClr val="accent1"/>
+          </a:effectRef>
+          <a:fontRef idx="minor">
+            <a:schemeClr val="lt1"/>
+          </a:fontRef>
+        </p:style>
+        <p:txBody>
+          <a:bodyPr rtlCol="0" anchor="ctr"/>
+          <a:lstStyle/>
+          <a:p>
+            <a:pPr algn="ctr"/>
+            <a:endParaRPr lang="de-DE"/>
+          </a:p>
+        </p:txBody>
+      </p:sp>
+      <mc:AlternateContent xmlns:mc="http://schemas.openxmlformats.org/markup-compatibility/2006" xmlns:a14="http://schemas.microsoft.com/office/drawing/2010/main">
+        <mc:Choice Requires="a14">
+          <p:sp>
+            <p:nvSpPr>
+              <p:cNvPr id="9" name="Textfeld 8">
+                <a:extLst>
+                  <a:ext uri="{FF2B5EF4-FFF2-40B4-BE49-F238E27FC236}">
+                    <a16:creationId xmlns:a16="http://schemas.microsoft.com/office/drawing/2014/main" id="{1BB1E197-E739-4C8E-BE96-BA1E8169BFDE}"/>
+                  </a:ext>
+                </a:extLst>
+              </p:cNvPr>
+              <p:cNvSpPr txBox="1"/>
+              <p:nvPr/>
+            </p:nvSpPr>
+            <p:spPr>
+              <a:xfrm>
+                <a:off x="6454275" y="5169089"/>
+                <a:ext cx="243840" cy="369332"/>
+              </a:xfrm>
+              <a:prstGeom prst="rect">
+                <a:avLst/>
+              </a:prstGeom>
+              <a:noFill/>
+            </p:spPr>
+            <p:txBody>
+              <a:bodyPr wrap="square" rtlCol="0">
+                <a:spAutoFit/>
+              </a:bodyPr>
+              <a:lstStyle/>
+              <a:p>
+                <a:pPr/>
+                <a14:m>
+                  <m:oMathPara xmlns:m="http://schemas.openxmlformats.org/officeDocument/2006/math">
+                    <m:oMathParaPr>
+                      <m:jc m:val="centerGroup"/>
+                    </m:oMathParaPr>
+                    <m:oMath xmlns:m="http://schemas.openxmlformats.org/officeDocument/2006/math">
+                      <m:r>
+                        <a:rPr lang="de-DE" b="0" i="1" smtClean="0">
+                          <a:latin typeface="Cambria Math" panose="02040503050406030204" pitchFamily="18" charset="0"/>
+                        </a:rPr>
+                        <m:t>𝑑</m:t>
+                      </m:r>
+                    </m:oMath>
+                  </m:oMathPara>
+                </a14:m>
+                <a:endParaRPr lang="de-DE" dirty="0"/>
+              </a:p>
+            </p:txBody>
+          </p:sp>
+        </mc:Choice>
+        <mc:Fallback xmlns="">
+          <p:sp>
+            <p:nvSpPr>
+              <p:cNvPr id="9" name="Textfeld 8">
+                <a:extLst>
+                  <a:ext uri="{FF2B5EF4-FFF2-40B4-BE49-F238E27FC236}">
+                    <a16:creationId xmlns:a16="http://schemas.microsoft.com/office/drawing/2014/main" id="{1BB1E197-E739-4C8E-BE96-BA1E8169BFDE}"/>
+                  </a:ext>
+                </a:extLst>
+              </p:cNvPr>
+              <p:cNvSpPr txBox="1">
+                <a:spLocks noRot="1" noChangeAspect="1" noMove="1" noResize="1" noEditPoints="1" noAdjustHandles="1" noChangeArrowheads="1" noChangeShapeType="1" noTextEdit="1"/>
+              </p:cNvSpPr>
+              <p:nvPr/>
+            </p:nvSpPr>
+            <p:spPr>
+              <a:xfrm>
+                <a:off x="6454275" y="5169089"/>
+                <a:ext cx="243840" cy="369332"/>
+              </a:xfrm>
+              <a:prstGeom prst="rect">
+                <a:avLst/>
+              </a:prstGeom>
+              <a:blipFill>
+                <a:blip r:embed="rId3"/>
+                <a:stretch>
+                  <a:fillRect r="-27500"/>
+                </a:stretch>
+              </a:blipFill>
+            </p:spPr>
+            <p:txBody>
+              <a:bodyPr/>
+              <a:lstStyle/>
+              <a:p>
+                <a:r>
+                  <a:rPr lang="de-DE">
+                    <a:noFill/>
+                  </a:rPr>
+                  <a:t> </a:t>
+                </a:r>
+              </a:p>
+            </p:txBody>
+          </p:sp>
+        </mc:Fallback>
+      </mc:AlternateContent>
+      <mc:AlternateContent xmlns:mc="http://schemas.openxmlformats.org/markup-compatibility/2006" xmlns:a14="http://schemas.microsoft.com/office/drawing/2010/main">
+        <mc:Choice Requires="a14">
+          <p:sp>
+            <p:nvSpPr>
+              <p:cNvPr id="10" name="Textfeld 9">
+                <a:extLst>
+                  <a:ext uri="{FF2B5EF4-FFF2-40B4-BE49-F238E27FC236}">
+                    <a16:creationId xmlns:a16="http://schemas.microsoft.com/office/drawing/2014/main" id="{09A93EB4-F243-463C-BDD6-B2AF16ECDD4F}"/>
+                  </a:ext>
+                </a:extLst>
+              </p:cNvPr>
+              <p:cNvSpPr txBox="1"/>
+              <p:nvPr/>
+            </p:nvSpPr>
+            <p:spPr>
+              <a:xfrm>
+                <a:off x="5001641" y="5169089"/>
+                <a:ext cx="243840" cy="369332"/>
+              </a:xfrm>
+              <a:prstGeom prst="rect">
+                <a:avLst/>
+              </a:prstGeom>
+              <a:noFill/>
+            </p:spPr>
+            <p:txBody>
+              <a:bodyPr wrap="square" rtlCol="0">
+                <a:spAutoFit/>
+              </a:bodyPr>
+              <a:lstStyle/>
+              <a:p>
+                <a:pPr/>
+                <a14:m>
+                  <m:oMathPara xmlns:m="http://schemas.openxmlformats.org/officeDocument/2006/math">
+                    <m:oMathParaPr>
+                      <m:jc m:val="centerGroup"/>
+                    </m:oMathParaPr>
+                    <m:oMath xmlns:m="http://schemas.openxmlformats.org/officeDocument/2006/math">
+                      <m:r>
+                        <a:rPr lang="de-DE" b="0" i="1" smtClean="0">
+                          <a:latin typeface="Cambria Math" panose="02040503050406030204" pitchFamily="18" charset="0"/>
+                        </a:rPr>
+                        <m:t>𝑑</m:t>
+                      </m:r>
+                    </m:oMath>
+                  </m:oMathPara>
+                </a14:m>
+                <a:endParaRPr lang="de-DE" dirty="0"/>
+              </a:p>
+            </p:txBody>
+          </p:sp>
+        </mc:Choice>
+        <mc:Fallback xmlns="">
+          <p:sp>
+            <p:nvSpPr>
+              <p:cNvPr id="10" name="Textfeld 9">
+                <a:extLst>
+                  <a:ext uri="{FF2B5EF4-FFF2-40B4-BE49-F238E27FC236}">
+                    <a16:creationId xmlns:a16="http://schemas.microsoft.com/office/drawing/2014/main" id="{09A93EB4-F243-463C-BDD6-B2AF16ECDD4F}"/>
+                  </a:ext>
+                </a:extLst>
+              </p:cNvPr>
+              <p:cNvSpPr txBox="1">
+                <a:spLocks noRot="1" noChangeAspect="1" noMove="1" noResize="1" noEditPoints="1" noAdjustHandles="1" noChangeArrowheads="1" noChangeShapeType="1" noTextEdit="1"/>
+              </p:cNvSpPr>
+              <p:nvPr/>
+            </p:nvSpPr>
+            <p:spPr>
+              <a:xfrm>
+                <a:off x="5001641" y="5169089"/>
+                <a:ext cx="243840" cy="369332"/>
+              </a:xfrm>
+              <a:prstGeom prst="rect">
+                <a:avLst/>
+              </a:prstGeom>
+              <a:blipFill>
+                <a:blip r:embed="rId4"/>
+                <a:stretch>
+                  <a:fillRect r="-27500"/>
+                </a:stretch>
+              </a:blipFill>
+            </p:spPr>
+            <p:txBody>
+              <a:bodyPr/>
+              <a:lstStyle/>
+              <a:p>
+                <a:r>
+                  <a:rPr lang="de-DE">
+                    <a:noFill/>
+                  </a:rPr>
+                  <a:t> </a:t>
+                </a:r>
+              </a:p>
+            </p:txBody>
+          </p:sp>
+        </mc:Fallback>
+      </mc:AlternateContent>
+      <p:cxnSp>
+        <p:nvCxnSpPr>
+          <p:cNvPr id="11" name="Gerader Verbinder 10">
+            <a:extLst>
+              <a:ext uri="{FF2B5EF4-FFF2-40B4-BE49-F238E27FC236}">
+                <a16:creationId xmlns:a16="http://schemas.microsoft.com/office/drawing/2014/main" id="{5C29962F-A29F-4E54-A769-335D74240A44}"/>
+              </a:ext>
+            </a:extLst>
+          </p:cNvPr>
+          <p:cNvCxnSpPr/>
+          <p:nvPr/>
+        </p:nvCxnSpPr>
+        <p:spPr>
+          <a:xfrm>
+            <a:off x="6337898" y="5110385"/>
+            <a:ext cx="0" cy="337912"/>
+          </a:xfrm>
+          <a:prstGeom prst="line">
+            <a:avLst/>
+          </a:prstGeom>
+        </p:spPr>
+        <p:style>
+          <a:lnRef idx="1">
+            <a:schemeClr val="dk1"/>
+          </a:lnRef>
+          <a:fillRef idx="0">
+            <a:schemeClr val="dk1"/>
+          </a:fillRef>
+          <a:effectRef idx="0">
+            <a:schemeClr val="dk1"/>
+          </a:effectRef>
+          <a:fontRef idx="minor">
+            <a:schemeClr val="tx1"/>
+          </a:fontRef>
+        </p:style>
+      </p:cxnSp>
+      <p:cxnSp>
+        <p:nvCxnSpPr>
+          <p:cNvPr id="12" name="Gerader Verbinder 11">
+            <a:extLst>
+              <a:ext uri="{FF2B5EF4-FFF2-40B4-BE49-F238E27FC236}">
+                <a16:creationId xmlns:a16="http://schemas.microsoft.com/office/drawing/2014/main" id="{13E8AA9F-2314-4A9B-9E00-1279F2AAAE9F}"/>
+              </a:ext>
+            </a:extLst>
+          </p:cNvPr>
+          <p:cNvCxnSpPr/>
+          <p:nvPr/>
+        </p:nvCxnSpPr>
+        <p:spPr>
+          <a:xfrm>
+            <a:off x="6853576" y="5110385"/>
+            <a:ext cx="0" cy="337912"/>
+          </a:xfrm>
+          <a:prstGeom prst="line">
+            <a:avLst/>
+          </a:prstGeom>
+        </p:spPr>
+        <p:style>
+          <a:lnRef idx="1">
+            <a:schemeClr val="dk1"/>
+          </a:lnRef>
+          <a:fillRef idx="0">
+            <a:schemeClr val="dk1"/>
+          </a:fillRef>
+          <a:effectRef idx="0">
+            <a:schemeClr val="dk1"/>
+          </a:effectRef>
+          <a:fontRef idx="minor">
+            <a:schemeClr val="tx1"/>
+          </a:fontRef>
+        </p:style>
+      </p:cxnSp>
+      <p:cxnSp>
+        <p:nvCxnSpPr>
+          <p:cNvPr id="13" name="Gerader Verbinder 12">
+            <a:extLst>
+              <a:ext uri="{FF2B5EF4-FFF2-40B4-BE49-F238E27FC236}">
+                <a16:creationId xmlns:a16="http://schemas.microsoft.com/office/drawing/2014/main" id="{A9C69A0A-4479-420A-9ED0-903B2C1922CF}"/>
+              </a:ext>
+            </a:extLst>
+          </p:cNvPr>
+          <p:cNvCxnSpPr/>
+          <p:nvPr/>
+        </p:nvCxnSpPr>
+        <p:spPr>
+          <a:xfrm>
+            <a:off x="5389420" y="5110385"/>
+            <a:ext cx="0" cy="337912"/>
+          </a:xfrm>
+          <a:prstGeom prst="line">
+            <a:avLst/>
+          </a:prstGeom>
+        </p:spPr>
+        <p:style>
+          <a:lnRef idx="1">
+            <a:schemeClr val="dk1"/>
+          </a:lnRef>
+          <a:fillRef idx="0">
+            <a:schemeClr val="dk1"/>
+          </a:fillRef>
+          <a:effectRef idx="0">
+            <a:schemeClr val="dk1"/>
+          </a:effectRef>
+          <a:fontRef idx="minor">
+            <a:schemeClr val="tx1"/>
+          </a:fontRef>
+        </p:style>
+      </p:cxnSp>
+      <p:cxnSp>
+        <p:nvCxnSpPr>
+          <p:cNvPr id="14" name="Gerader Verbinder 13">
+            <a:extLst>
+              <a:ext uri="{FF2B5EF4-FFF2-40B4-BE49-F238E27FC236}">
+                <a16:creationId xmlns:a16="http://schemas.microsoft.com/office/drawing/2014/main" id="{F04CB479-8A30-4E6A-BF58-CFC3D901B0DB}"/>
+              </a:ext>
+            </a:extLst>
+          </p:cNvPr>
+          <p:cNvCxnSpPr/>
+          <p:nvPr/>
+        </p:nvCxnSpPr>
+        <p:spPr>
+          <a:xfrm>
+            <a:off x="4878949" y="5103351"/>
+            <a:ext cx="0" cy="337912"/>
+          </a:xfrm>
+          <a:prstGeom prst="line">
+            <a:avLst/>
+          </a:prstGeom>
+        </p:spPr>
+        <p:style>
+          <a:lnRef idx="1">
+            <a:schemeClr val="dk1"/>
+          </a:lnRef>
+          <a:fillRef idx="0">
+            <a:schemeClr val="dk1"/>
+          </a:fillRef>
+          <a:effectRef idx="0">
+            <a:schemeClr val="dk1"/>
+          </a:effectRef>
+          <a:fontRef idx="minor">
+            <a:schemeClr val="tx1"/>
+          </a:fontRef>
+        </p:style>
+      </p:cxnSp>
+      <p:sp>
+        <p:nvSpPr>
+          <p:cNvPr id="15" name="Rechteck 14">
+            <a:extLst>
+              <a:ext uri="{FF2B5EF4-FFF2-40B4-BE49-F238E27FC236}">
+                <a16:creationId xmlns:a16="http://schemas.microsoft.com/office/drawing/2014/main" id="{BBD7AA16-1678-44CA-BB1E-C94B564417C5}"/>
+              </a:ext>
+            </a:extLst>
+          </p:cNvPr>
+          <p:cNvSpPr/>
+          <p:nvPr/>
+        </p:nvSpPr>
+        <p:spPr>
+          <a:xfrm>
+            <a:off x="3558540" y="2048464"/>
+            <a:ext cx="300975" cy="2790236"/>
+          </a:xfrm>
+          <a:prstGeom prst="rect">
+            <a:avLst/>
+          </a:prstGeom>
+          <a:solidFill>
+            <a:schemeClr val="bg1"/>
+          </a:solidFill>
+          <a:ln>
+            <a:noFill/>
+          </a:ln>
+        </p:spPr>
+        <p:style>
+          <a:lnRef idx="2">
+            <a:schemeClr val="accent1">
+              <a:shade val="50000"/>
+            </a:schemeClr>
+          </a:lnRef>
+          <a:fillRef idx="1">
+            <a:schemeClr val="accent1"/>
+          </a:fillRef>
+          <a:effectRef idx="0">
+            <a:schemeClr val="accent1"/>
+          </a:effectRef>
+          <a:fontRef idx="minor">
+            <a:schemeClr val="lt1"/>
+          </a:fontRef>
+        </p:style>
+        <p:txBody>
+          <a:bodyPr rtlCol="0" anchor="ctr"/>
+          <a:lstStyle/>
+          <a:p>
+            <a:pPr algn="ctr"/>
+            <a:endParaRPr lang="de-DE"/>
+          </a:p>
+        </p:txBody>
+      </p:sp>
+    </p:spTree>
+    <p:extLst>
+      <p:ext uri="{BB962C8B-B14F-4D97-AF65-F5344CB8AC3E}">
+        <p14:creationId xmlns:p14="http://schemas.microsoft.com/office/powerpoint/2010/main" val="2305966321"/>
+      </p:ext>
+    </p:extLst>
+  </p:cSld>
+  <p:clrMapOvr>
+    <a:masterClrMapping/>
+  </p:clrMapOvr>
+</p:sld>
+</file>
+
+<file path=ppt/slides/slide8.xml><?xml version="1.0" encoding="utf-8"?>
+<p:sld xmlns:a="http://schemas.openxmlformats.org/drawingml/2006/main" xmlns:r="http://schemas.openxmlformats.org/officeDocument/2006/relationships" xmlns:p="http://schemas.openxmlformats.org/presentationml/2006/main">
+  <p:cSld>
+    <p:spTree>
+      <p:nvGrpSpPr>
+        <p:cNvPr id="1" name=""/>
+        <p:cNvGrpSpPr/>
+        <p:nvPr/>
+      </p:nvGrpSpPr>
+      <p:grpSpPr>
+        <a:xfrm>
+          <a:off x="0" y="0"/>
+          <a:ext cx="0" cy="0"/>
+          <a:chOff x="0" y="0"/>
+          <a:chExt cx="0" cy="0"/>
+        </a:xfrm>
+      </p:grpSpPr>
+      <p:pic>
+        <p:nvPicPr>
+          <p:cNvPr id="9" name="Grafik 8">
+            <a:extLst>
+              <a:ext uri="{FF2B5EF4-FFF2-40B4-BE49-F238E27FC236}">
+                <a16:creationId xmlns:a16="http://schemas.microsoft.com/office/drawing/2014/main" id="{AB3B512E-92FB-4597-BEBE-5012481FFB20}"/>
+              </a:ext>
+            </a:extLst>
+          </p:cNvPr>
+          <p:cNvPicPr>
+            <a:picLocks noChangeAspect="1"/>
+          </p:cNvPicPr>
+          <p:nvPr/>
+        </p:nvPicPr>
+        <p:blipFill>
+          <a:blip r:embed="rId2">
+            <a:duotone>
+              <a:schemeClr val="accent4">
+                <a:shade val="45000"/>
+                <a:satMod val="135000"/>
+              </a:schemeClr>
+              <a:prstClr val="white"/>
+            </a:duotone>
+          </a:blip>
+          <a:stretch>
+            <a:fillRect/>
+          </a:stretch>
+        </p:blipFill>
+        <p:spPr>
+          <a:xfrm>
+            <a:off x="0" y="3161784"/>
+            <a:ext cx="5687219" cy="3696216"/>
+          </a:xfrm>
+          <a:prstGeom prst="rect">
+            <a:avLst/>
+          </a:prstGeom>
+        </p:spPr>
+      </p:pic>
+      <p:pic>
+        <p:nvPicPr>
+          <p:cNvPr id="7" name="Grafik 6">
+            <a:extLst>
+              <a:ext uri="{FF2B5EF4-FFF2-40B4-BE49-F238E27FC236}">
+                <a16:creationId xmlns:a16="http://schemas.microsoft.com/office/drawing/2014/main" id="{517AA564-05F0-40F0-9845-23E018FBDAAF}"/>
+              </a:ext>
+            </a:extLst>
+          </p:cNvPr>
+          <p:cNvPicPr>
+            <a:picLocks noChangeAspect="1"/>
+          </p:cNvPicPr>
+          <p:nvPr/>
+        </p:nvPicPr>
+        <p:blipFill>
+          <a:blip r:embed="rId3">
+            <a:duotone>
+              <a:schemeClr val="accent4">
+                <a:shade val="45000"/>
+                <a:satMod val="135000"/>
+              </a:schemeClr>
+              <a:prstClr val="white"/>
+            </a:duotone>
+          </a:blip>
+          <a:stretch>
+            <a:fillRect/>
+          </a:stretch>
+        </p:blipFill>
+        <p:spPr>
+          <a:xfrm>
+            <a:off x="0" y="-17091"/>
+            <a:ext cx="5658640" cy="3258005"/>
+          </a:xfrm>
+          <a:prstGeom prst="rect">
+            <a:avLst/>
+          </a:prstGeom>
+        </p:spPr>
+      </p:pic>
+      <p:sp>
+        <p:nvSpPr>
+          <p:cNvPr id="10" name="Textfeld 9">
+            <a:extLst>
+              <a:ext uri="{FF2B5EF4-FFF2-40B4-BE49-F238E27FC236}">
+                <a16:creationId xmlns:a16="http://schemas.microsoft.com/office/drawing/2014/main" id="{C1F472BA-F114-4A2A-BF3B-71A4139D97D6}"/>
+              </a:ext>
+            </a:extLst>
+          </p:cNvPr>
+          <p:cNvSpPr txBox="1"/>
+          <p:nvPr/>
+        </p:nvSpPr>
+        <p:spPr>
+          <a:xfrm>
+            <a:off x="5658640" y="230736"/>
+            <a:ext cx="3819970" cy="369332"/>
+          </a:xfrm>
+          <a:prstGeom prst="rect">
+            <a:avLst/>
+          </a:prstGeom>
+          <a:noFill/>
+        </p:spPr>
+        <p:txBody>
+          <a:bodyPr wrap="square" rtlCol="0">
+            <a:spAutoFit/>
+          </a:bodyPr>
+          <a:lstStyle/>
+          <a:p>
+            <a:r>
+              <a:rPr lang="de-DE" dirty="0">
+                <a:solidFill>
+                  <a:schemeClr val="accent6">
+                    <a:lumMod val="75000"/>
+                  </a:schemeClr>
+                </a:solidFill>
+              </a:rPr>
+              <a:t>„Viele Modifikationen waren nötig“</a:t>
+            </a:r>
+          </a:p>
+        </p:txBody>
+      </p:sp>
+      <p:sp>
+        <p:nvSpPr>
+          <p:cNvPr id="11" name="Textfeld 10">
+            <a:extLst>
+              <a:ext uri="{FF2B5EF4-FFF2-40B4-BE49-F238E27FC236}">
+                <a16:creationId xmlns:a16="http://schemas.microsoft.com/office/drawing/2014/main" id="{8E652C8B-0762-413C-9121-AEDB47A47AF9}"/>
+              </a:ext>
+            </a:extLst>
+          </p:cNvPr>
+          <p:cNvSpPr txBox="1"/>
+          <p:nvPr/>
+        </p:nvSpPr>
+        <p:spPr>
+          <a:xfrm>
+            <a:off x="5658640" y="1058254"/>
+            <a:ext cx="3819970" cy="369332"/>
+          </a:xfrm>
+          <a:prstGeom prst="rect">
+            <a:avLst/>
+          </a:prstGeom>
+          <a:noFill/>
+        </p:spPr>
+        <p:txBody>
+          <a:bodyPr wrap="square" rtlCol="0">
+            <a:spAutoFit/>
+          </a:bodyPr>
+          <a:lstStyle/>
+          <a:p>
+            <a:r>
+              <a:rPr lang="de-DE" dirty="0">
+                <a:solidFill>
+                  <a:schemeClr val="accent6">
+                    <a:lumMod val="75000"/>
+                  </a:schemeClr>
+                </a:solidFill>
+              </a:rPr>
+              <a:t>„3 Dimensionen sind zu wenig“</a:t>
+            </a:r>
+          </a:p>
+        </p:txBody>
+      </p:sp>
+      <p:sp>
+        <p:nvSpPr>
+          <p:cNvPr id="12" name="Textfeld 11">
+            <a:extLst>
+              <a:ext uri="{FF2B5EF4-FFF2-40B4-BE49-F238E27FC236}">
+                <a16:creationId xmlns:a16="http://schemas.microsoft.com/office/drawing/2014/main" id="{B9EEF639-1B54-44E1-85DC-6AD3EA62B59C}"/>
+              </a:ext>
+            </a:extLst>
+          </p:cNvPr>
+          <p:cNvSpPr txBox="1"/>
+          <p:nvPr/>
+        </p:nvSpPr>
+        <p:spPr>
+          <a:xfrm>
+            <a:off x="5658640" y="2100842"/>
+            <a:ext cx="4928075" cy="646331"/>
+          </a:xfrm>
+          <a:prstGeom prst="rect">
+            <a:avLst/>
+          </a:prstGeom>
+          <a:noFill/>
+        </p:spPr>
+        <p:txBody>
+          <a:bodyPr wrap="square" rtlCol="0">
+            <a:spAutoFit/>
+          </a:bodyPr>
+          <a:lstStyle/>
+          <a:p>
+            <a:r>
+              <a:rPr lang="de-DE" dirty="0">
+                <a:solidFill>
+                  <a:schemeClr val="accent6">
+                    <a:lumMod val="75000"/>
+                  </a:schemeClr>
+                </a:solidFill>
+              </a:rPr>
+              <a:t>„Redundante Zeitserien, unterschiedliche physikalische Zeitserien wären besser“</a:t>
+            </a:r>
+          </a:p>
+        </p:txBody>
+      </p:sp>
+      <p:sp>
+        <p:nvSpPr>
+          <p:cNvPr id="13" name="Textfeld 12">
+            <a:extLst>
+              <a:ext uri="{FF2B5EF4-FFF2-40B4-BE49-F238E27FC236}">
+                <a16:creationId xmlns:a16="http://schemas.microsoft.com/office/drawing/2014/main" id="{7BCC17EB-8D88-4751-A7C1-299A26BBFF5B}"/>
+              </a:ext>
+            </a:extLst>
+          </p:cNvPr>
+          <p:cNvSpPr txBox="1"/>
+          <p:nvPr/>
+        </p:nvSpPr>
+        <p:spPr>
+          <a:xfrm>
+            <a:off x="5658640" y="3234061"/>
+            <a:ext cx="3819970" cy="646331"/>
+          </a:xfrm>
+          <a:prstGeom prst="rect">
+            <a:avLst/>
+          </a:prstGeom>
+          <a:noFill/>
+        </p:spPr>
+        <p:txBody>
+          <a:bodyPr wrap="square" rtlCol="0">
+            <a:spAutoFit/>
+          </a:bodyPr>
+          <a:lstStyle/>
+          <a:p>
+            <a:r>
+              <a:rPr lang="de-DE" dirty="0">
+                <a:solidFill>
+                  <a:schemeClr val="accent6">
+                    <a:lumMod val="75000"/>
+                  </a:schemeClr>
+                </a:solidFill>
+              </a:rPr>
+              <a:t>„Strukturelle Instabilität, verstärkt durch Polynome als </a:t>
+            </a:r>
+            <a:r>
+              <a:rPr lang="de-DE" dirty="0" err="1">
+                <a:solidFill>
+                  <a:schemeClr val="accent6">
+                    <a:lumMod val="75000"/>
+                  </a:schemeClr>
+                </a:solidFill>
+              </a:rPr>
+              <a:t>Basisfkt</a:t>
+            </a:r>
+            <a:r>
+              <a:rPr lang="de-DE" dirty="0">
+                <a:solidFill>
+                  <a:schemeClr val="accent6">
+                    <a:lumMod val="75000"/>
+                  </a:schemeClr>
+                </a:solidFill>
+              </a:rPr>
+              <a:t>.“</a:t>
+            </a:r>
+          </a:p>
+        </p:txBody>
+      </p:sp>
+      <p:sp>
+        <p:nvSpPr>
+          <p:cNvPr id="14" name="Textfeld 13">
+            <a:extLst>
+              <a:ext uri="{FF2B5EF4-FFF2-40B4-BE49-F238E27FC236}">
+                <a16:creationId xmlns:a16="http://schemas.microsoft.com/office/drawing/2014/main" id="{368EB679-B9DE-471C-A8E5-0DE0B31DDF80}"/>
+              </a:ext>
+            </a:extLst>
+          </p:cNvPr>
+          <p:cNvSpPr txBox="1"/>
+          <p:nvPr/>
+        </p:nvSpPr>
+        <p:spPr>
+          <a:xfrm>
+            <a:off x="5658640" y="4265039"/>
+            <a:ext cx="3819970" cy="369332"/>
+          </a:xfrm>
+          <a:prstGeom prst="rect">
+            <a:avLst/>
+          </a:prstGeom>
+          <a:noFill/>
+        </p:spPr>
+        <p:txBody>
+          <a:bodyPr wrap="square" rtlCol="0">
+            <a:spAutoFit/>
+          </a:bodyPr>
+          <a:lstStyle/>
+          <a:p>
+            <a:r>
+              <a:rPr lang="de-DE" dirty="0">
+                <a:solidFill>
+                  <a:schemeClr val="accent6">
+                    <a:lumMod val="75000"/>
+                  </a:schemeClr>
+                </a:solidFill>
+              </a:rPr>
+              <a:t>„System physikalisch nicht vollständig“</a:t>
+            </a:r>
+          </a:p>
+        </p:txBody>
+      </p:sp>
+      <p:sp>
+        <p:nvSpPr>
+          <p:cNvPr id="15" name="Textfeld 14">
+            <a:extLst>
+              <a:ext uri="{FF2B5EF4-FFF2-40B4-BE49-F238E27FC236}">
+                <a16:creationId xmlns:a16="http://schemas.microsoft.com/office/drawing/2014/main" id="{8B7984A1-C27F-4C78-99F3-092987AA05E4}"/>
+              </a:ext>
+            </a:extLst>
+          </p:cNvPr>
+          <p:cNvSpPr txBox="1"/>
+          <p:nvPr/>
+        </p:nvSpPr>
+        <p:spPr>
+          <a:xfrm>
+            <a:off x="5658639" y="5242406"/>
+            <a:ext cx="4492239" cy="369332"/>
+          </a:xfrm>
+          <a:prstGeom prst="rect">
+            <a:avLst/>
+          </a:prstGeom>
+          <a:noFill/>
+        </p:spPr>
+        <p:txBody>
+          <a:bodyPr wrap="square" rtlCol="0">
+            <a:spAutoFit/>
+          </a:bodyPr>
+          <a:lstStyle/>
+          <a:p>
+            <a:r>
+              <a:rPr lang="de-DE" dirty="0">
+                <a:solidFill>
+                  <a:schemeClr val="accent6">
+                    <a:lumMod val="75000"/>
+                  </a:schemeClr>
+                </a:solidFill>
+              </a:rPr>
+              <a:t>„Es existieren noch weitere Methoden“</a:t>
+            </a:r>
+          </a:p>
+        </p:txBody>
+      </p:sp>
+      <p:sp>
+        <p:nvSpPr>
+          <p:cNvPr id="16" name="Textfeld 15">
+            <a:extLst>
+              <a:ext uri="{FF2B5EF4-FFF2-40B4-BE49-F238E27FC236}">
+                <a16:creationId xmlns:a16="http://schemas.microsoft.com/office/drawing/2014/main" id="{DB92D14B-02AC-486B-9E27-622F68B6075C}"/>
+              </a:ext>
+            </a:extLst>
+          </p:cNvPr>
+          <p:cNvSpPr txBox="1"/>
+          <p:nvPr/>
+        </p:nvSpPr>
+        <p:spPr>
+          <a:xfrm>
+            <a:off x="5658640" y="5996385"/>
+            <a:ext cx="3819970" cy="646331"/>
+          </a:xfrm>
+          <a:prstGeom prst="rect">
+            <a:avLst/>
+          </a:prstGeom>
+          <a:noFill/>
+        </p:spPr>
+        <p:txBody>
+          <a:bodyPr wrap="square" rtlCol="0">
+            <a:spAutoFit/>
+          </a:bodyPr>
+          <a:lstStyle/>
+          <a:p>
+            <a:r>
+              <a:rPr lang="de-DE" dirty="0">
+                <a:solidFill>
+                  <a:schemeClr val="accent6">
+                    <a:lumMod val="75000"/>
+                  </a:schemeClr>
+                </a:solidFill>
+              </a:rPr>
+              <a:t>„Viele Koeffizienten, könnte vereinfacht werden“</a:t>
+            </a:r>
+          </a:p>
+        </p:txBody>
+      </p:sp>
+      <p:sp>
+        <p:nvSpPr>
+          <p:cNvPr id="18" name="Textfeld 17">
+            <a:extLst>
+              <a:ext uri="{FF2B5EF4-FFF2-40B4-BE49-F238E27FC236}">
+                <a16:creationId xmlns:a16="http://schemas.microsoft.com/office/drawing/2014/main" id="{BF103B43-D512-4688-92A6-15E622528A9B}"/>
+              </a:ext>
+            </a:extLst>
+          </p:cNvPr>
+          <p:cNvSpPr txBox="1"/>
+          <p:nvPr/>
+        </p:nvSpPr>
+        <p:spPr>
+          <a:xfrm>
+            <a:off x="9067089" y="58204"/>
+            <a:ext cx="3384134" cy="646331"/>
+          </a:xfrm>
+          <a:prstGeom prst="rect">
+            <a:avLst/>
+          </a:prstGeom>
+          <a:noFill/>
+        </p:spPr>
+        <p:txBody>
+          <a:bodyPr wrap="square" rtlCol="0">
+            <a:spAutoFit/>
+          </a:bodyPr>
+          <a:lstStyle/>
+          <a:p>
+            <a:r>
+              <a:rPr lang="de-DE" dirty="0"/>
+              <a:t>Uhl: Schwierig bei solchen Systemen? S. 25. Chaotische AWP</a:t>
+            </a:r>
+          </a:p>
+        </p:txBody>
+      </p:sp>
+      <p:sp>
+        <p:nvSpPr>
+          <p:cNvPr id="19" name="Textfeld 18">
+            <a:extLst>
+              <a:ext uri="{FF2B5EF4-FFF2-40B4-BE49-F238E27FC236}">
+                <a16:creationId xmlns:a16="http://schemas.microsoft.com/office/drawing/2014/main" id="{11F35C32-0558-4CB6-B75E-3848088B2223}"/>
+              </a:ext>
+            </a:extLst>
+          </p:cNvPr>
+          <p:cNvSpPr txBox="1"/>
+          <p:nvPr/>
+        </p:nvSpPr>
+        <p:spPr>
+          <a:xfrm>
+            <a:off x="9391829" y="4126389"/>
+            <a:ext cx="3059394" cy="646331"/>
+          </a:xfrm>
+          <a:prstGeom prst="rect">
+            <a:avLst/>
+          </a:prstGeom>
+          <a:noFill/>
+        </p:spPr>
+        <p:txBody>
+          <a:bodyPr wrap="square" rtlCol="0">
+            <a:spAutoFit/>
+          </a:bodyPr>
+          <a:lstStyle/>
+          <a:p>
+            <a:r>
+              <a:rPr lang="de-DE" dirty="0"/>
+              <a:t>„Information über das System ist unvollständig“</a:t>
+            </a:r>
+          </a:p>
+        </p:txBody>
+      </p:sp>
+    </p:spTree>
+    <p:extLst>
+      <p:ext uri="{BB962C8B-B14F-4D97-AF65-F5344CB8AC3E}">
+        <p14:creationId xmlns:p14="http://schemas.microsoft.com/office/powerpoint/2010/main" val="4068116842"/>
+      </p:ext>
+    </p:extLst>
+  </p:cSld>
+  <p:clrMapOvr>
+    <a:masterClrMapping/>
+  </p:clrMapOvr>
+</p:sld>
+</file>
+
+<file path=ppt/slides/slide9.xml><?xml version="1.0" encoding="utf-8"?>
+<p:sld xmlns:a="http://schemas.openxmlformats.org/drawingml/2006/main" xmlns:r="http://schemas.openxmlformats.org/officeDocument/2006/relationships" xmlns:p="http://schemas.openxmlformats.org/presentationml/2006/main">
+  <p:cSld>
+    <p:spTree>
+      <p:nvGrpSpPr>
+        <p:cNvPr id="1" name=""/>
+        <p:cNvGrpSpPr/>
+        <p:nvPr/>
+      </p:nvGrpSpPr>
+      <p:grpSpPr>
+        <a:xfrm>
+          <a:off x="0" y="0"/>
+          <a:ext cx="0" cy="0"/>
+          <a:chOff x="0" y="0"/>
+          <a:chExt cx="0" cy="0"/>
+        </a:xfrm>
+      </p:grpSpPr>
+      <p:pic>
+        <p:nvPicPr>
+          <p:cNvPr id="5" name="Grafik 4">
+            <a:extLst>
+              <a:ext uri="{FF2B5EF4-FFF2-40B4-BE49-F238E27FC236}">
+                <a16:creationId xmlns:a16="http://schemas.microsoft.com/office/drawing/2014/main" id="{A3AB7497-4FD0-4B26-91DE-7251DD6B2060}"/>
+              </a:ext>
+            </a:extLst>
+          </p:cNvPr>
+          <p:cNvPicPr>
+            <a:picLocks noChangeAspect="1"/>
+          </p:cNvPicPr>
+          <p:nvPr/>
+        </p:nvPicPr>
+        <p:blipFill>
+          <a:blip r:embed="rId2"/>
+          <a:stretch>
+            <a:fillRect/>
+          </a:stretch>
+        </p:blipFill>
+        <p:spPr>
+          <a:xfrm>
+            <a:off x="701964" y="297872"/>
+            <a:ext cx="9126224" cy="1600423"/>
+          </a:xfrm>
+          <a:prstGeom prst="rect">
+            <a:avLst/>
+          </a:prstGeom>
+        </p:spPr>
+      </p:pic>
+      <p:pic>
+        <p:nvPicPr>
+          <p:cNvPr id="9" name="Grafik 8">
+            <a:extLst>
+              <a:ext uri="{FF2B5EF4-FFF2-40B4-BE49-F238E27FC236}">
+                <a16:creationId xmlns:a16="http://schemas.microsoft.com/office/drawing/2014/main" id="{EA8D9CAC-E1F6-425B-BA2A-585D501A2861}"/>
+              </a:ext>
+            </a:extLst>
+          </p:cNvPr>
+          <p:cNvPicPr>
+            <a:picLocks noChangeAspect="1"/>
+          </p:cNvPicPr>
+          <p:nvPr/>
+        </p:nvPicPr>
+        <p:blipFill>
+          <a:blip r:embed="rId3"/>
+          <a:stretch>
+            <a:fillRect/>
+          </a:stretch>
+        </p:blipFill>
+        <p:spPr>
+          <a:xfrm>
+            <a:off x="3315854" y="2433081"/>
+            <a:ext cx="4410691" cy="3839111"/>
+          </a:xfrm>
+          <a:prstGeom prst="rect">
+            <a:avLst/>
+          </a:prstGeom>
+        </p:spPr>
+      </p:pic>
+    </p:spTree>
+    <p:extLst>
+      <p:ext uri="{BB962C8B-B14F-4D97-AF65-F5344CB8AC3E}">
+        <p14:creationId xmlns:p14="http://schemas.microsoft.com/office/powerpoint/2010/main" val="1989590629"/>
       </p:ext>
     </p:extLst>
   </p:cSld>
